--- a/figures/lift_process.pptx
+++ b/figures/lift_process.pptx
@@ -2973,13 +2973,13 @@
           <p:nvPr>
             <p:extLst>
               <p:ext uri="{D42A27DB-BD31-4B8C-83A1-F6EECF244321}">
-                <p14:modId xmlns:p14="http://schemas.microsoft.com/office/powerpoint/2010/main" val="429063053"/>
+                <p14:modId xmlns:p14="http://schemas.microsoft.com/office/powerpoint/2010/main" val="40408304"/>
               </p:ext>
             </p:extLst>
           </p:nvPr>
         </p:nvGraphicFramePr>
         <p:xfrm>
-          <a:off x="413881" y="1678488"/>
+          <a:off x="413880" y="1766118"/>
           <a:ext cx="2842886" cy="3012440"/>
         </p:xfrm>
         <a:graphic>
@@ -3933,13 +3933,13 @@
           <p:nvPr>
             <p:extLst>
               <p:ext uri="{D42A27DB-BD31-4B8C-83A1-F6EECF244321}">
-                <p14:modId xmlns:p14="http://schemas.microsoft.com/office/powerpoint/2010/main" val="1314630587"/>
+                <p14:modId xmlns:p14="http://schemas.microsoft.com/office/powerpoint/2010/main" val="15450450"/>
               </p:ext>
             </p:extLst>
           </p:nvPr>
         </p:nvGraphicFramePr>
         <p:xfrm>
-          <a:off x="8805735" y="1496922"/>
+          <a:off x="8789570" y="1766118"/>
           <a:ext cx="2842887" cy="3004820"/>
         </p:xfrm>
         <a:graphic>
@@ -3947,8 +3947,8 @@
             <a:tbl>
               <a:tblPr/>
               <a:tblGrid>
-                <a:gridCol w="1205368"/>
-                <a:gridCol w="1087821"/>
+                <a:gridCol w="1520679"/>
+                <a:gridCol w="772510"/>
                 <a:gridCol w="549698"/>
               </a:tblGrid>
               <a:tr h="121197">
@@ -6346,14 +6346,14 @@
           <p:nvPr>
             <p:extLst>
               <p:ext uri="{D42A27DB-BD31-4B8C-83A1-F6EECF244321}">
-                <p14:modId xmlns:p14="http://schemas.microsoft.com/office/powerpoint/2010/main" val="2099849981"/>
+                <p14:modId xmlns:p14="http://schemas.microsoft.com/office/powerpoint/2010/main" val="704355572"/>
               </p:ext>
             </p:extLst>
           </p:nvPr>
         </p:nvGraphicFramePr>
         <p:xfrm>
           <a:off x="4991082" y="1766118"/>
-          <a:ext cx="1948014" cy="2837180"/>
+          <a:ext cx="1948014" cy="3012440"/>
         </p:xfrm>
         <a:graphic>
           <a:graphicData uri="http://schemas.openxmlformats.org/drawingml/2006/table">
@@ -6443,7 +6443,17 @@
                           <a:effectLst/>
                           <a:latin typeface="Calibri" charset="0"/>
                         </a:rPr>
-                        <a:t>Arthritis, joint</a:t>
+                        <a:t>Arthritis, joint, &lt;put</a:t>
+                      </a:r>
+                      <a:r>
+                        <a:rPr lang="en-US" sz="1200" b="0" i="0" u="none" strike="noStrike" baseline="0" dirty="0" smtClean="0">
+                          <a:solidFill>
+                            <a:srgbClr val="0070C0"/>
+                          </a:solidFill>
+                          <a:effectLst/>
+                          <a:latin typeface="Calibri" charset="0"/>
+                        </a:rPr>
+                        <a:t> in a bunch of synonyms here extracted</a:t>
                       </a:r>
                       <a:endParaRPr lang="en-US" sz="1200" b="0" i="0" u="none" strike="noStrike" dirty="0">
                         <a:solidFill>
@@ -6501,6 +6511,26 @@
                     <a:lstStyle/>
                     <a:p>
                       <a:pPr algn="l" fontAlgn="b"/>
+                      <a:r>
+                        <a:rPr lang="en-US" sz="1200" b="0" i="0" u="none" strike="noStrike" dirty="0" smtClean="0">
+                          <a:solidFill>
+                            <a:srgbClr val="0070C0"/>
+                          </a:solidFill>
+                          <a:effectLst/>
+                          <a:latin typeface="Calibri" charset="0"/>
+                        </a:rPr>
+                        <a:t>During the feature</a:t>
+                      </a:r>
+                      <a:r>
+                        <a:rPr lang="en-US" sz="1200" b="0" i="0" u="none" strike="noStrike" baseline="0" dirty="0" smtClean="0">
+                          <a:solidFill>
+                            <a:srgbClr val="0070C0"/>
+                          </a:solidFill>
+                          <a:effectLst/>
+                          <a:latin typeface="Calibri" charset="0"/>
+                        </a:rPr>
+                        <a:t> extraction</a:t>
+                      </a:r>
                       <a:endParaRPr lang="en-US" sz="1200" b="0" i="0" u="none" strike="noStrike" dirty="0">
                         <a:solidFill>
                           <a:srgbClr val="0070C0"/>
@@ -6557,6 +6587,26 @@
                     <a:lstStyle/>
                     <a:p>
                       <a:pPr algn="l" fontAlgn="b"/>
+                      <a:r>
+                        <a:rPr lang="en-US" sz="1200" b="0" i="0" u="none" strike="noStrike" dirty="0" smtClean="0">
+                          <a:solidFill>
+                            <a:srgbClr val="0070C0"/>
+                          </a:solidFill>
+                          <a:effectLst/>
+                          <a:latin typeface="Calibri" charset="0"/>
+                        </a:rPr>
+                        <a:t>Process&gt;,</a:t>
+                      </a:r>
+                      <a:r>
+                        <a:rPr lang="en-US" sz="1200" b="0" i="0" u="none" strike="noStrike" baseline="0" dirty="0" smtClean="0">
+                          <a:solidFill>
+                            <a:srgbClr val="0070C0"/>
+                          </a:solidFill>
+                          <a:effectLst/>
+                          <a:latin typeface="Calibri" charset="0"/>
+                        </a:rPr>
+                        <a:t> …</a:t>
+                      </a:r>
                       <a:endParaRPr lang="en-US" sz="1200" b="0" i="0" u="none" strike="noStrike" dirty="0">
                         <a:solidFill>
                           <a:srgbClr val="0070C0"/>

--- a/figures/lift_process.pptx
+++ b/figures/lift_process.pptx
@@ -2973,7 +2973,7 @@
           <p:nvPr>
             <p:extLst>
               <p:ext uri="{D42A27DB-BD31-4B8C-83A1-F6EECF244321}">
-                <p14:modId xmlns:p14="http://schemas.microsoft.com/office/powerpoint/2010/main" val="40408304"/>
+                <p14:modId xmlns:p14="http://schemas.microsoft.com/office/powerpoint/2010/main" val="1998827650"/>
               </p:ext>
             </p:extLst>
           </p:nvPr>
@@ -3933,23 +3933,23 @@
           <p:nvPr>
             <p:extLst>
               <p:ext uri="{D42A27DB-BD31-4B8C-83A1-F6EECF244321}">
-                <p14:modId xmlns:p14="http://schemas.microsoft.com/office/powerpoint/2010/main" val="15450450"/>
+                <p14:modId xmlns:p14="http://schemas.microsoft.com/office/powerpoint/2010/main" val="858323407"/>
               </p:ext>
             </p:extLst>
           </p:nvPr>
         </p:nvGraphicFramePr>
         <p:xfrm>
           <a:off x="8789570" y="1766118"/>
-          <a:ext cx="2842887" cy="3004820"/>
+          <a:ext cx="3523299" cy="3205480"/>
         </p:xfrm>
         <a:graphic>
           <a:graphicData uri="http://schemas.openxmlformats.org/drawingml/2006/table">
             <a:tbl>
               <a:tblPr/>
               <a:tblGrid>
-                <a:gridCol w="1520679"/>
-                <a:gridCol w="772510"/>
-                <a:gridCol w="549698"/>
+                <a:gridCol w="1915216"/>
+                <a:gridCol w="829323"/>
+                <a:gridCol w="778760"/>
               </a:tblGrid>
               <a:tr h="121197">
                 <a:tc>
@@ -3964,7 +3964,7 @@
                             <a:schemeClr val="tx1"/>
                           </a:solidFill>
                           <a:effectLst/>
-                          <a:latin typeface="Calibri" charset="0"/>
+                          <a:latin typeface="+mn-lt"/>
                         </a:rPr>
                         <a:t>Co-occurrence</a:t>
                       </a:r>
@@ -3974,7 +3974,7 @@
                             <a:schemeClr val="tx1"/>
                           </a:solidFill>
                           <a:effectLst/>
-                          <a:latin typeface="Calibri" charset="0"/>
+                          <a:latin typeface="+mn-lt"/>
                         </a:rPr>
                         <a:t> set</a:t>
                       </a:r>
@@ -3983,7 +3983,7 @@
                           <a:schemeClr val="tx1"/>
                         </a:solidFill>
                         <a:effectLst/>
-                        <a:latin typeface="Calibri" charset="0"/>
+                        <a:latin typeface="+mn-lt"/>
                       </a:endParaRPr>
                     </a:p>
                   </a:txBody>
@@ -4038,7 +4038,7 @@
                             <a:schemeClr val="tx1"/>
                           </a:solidFill>
                           <a:effectLst/>
-                          <a:latin typeface="Calibri" charset="0"/>
+                          <a:latin typeface="+mn-lt"/>
                         </a:rPr>
                         <a:t>Cardinality</a:t>
                       </a:r>
@@ -4047,7 +4047,7 @@
                           <a:schemeClr val="tx1"/>
                         </a:solidFill>
                         <a:effectLst/>
-                        <a:latin typeface="Calibri" charset="0"/>
+                        <a:latin typeface="+mn-lt"/>
                       </a:endParaRPr>
                     </a:p>
                   </a:txBody>
@@ -4102,16 +4102,36 @@
                             <a:schemeClr val="tx1"/>
                           </a:solidFill>
                           <a:effectLst/>
-                          <a:latin typeface="Calibri" charset="0"/>
-                        </a:rPr>
-                        <a:t>Lift</a:t>
+                          <a:latin typeface="+mn-lt"/>
+                        </a:rPr>
+                        <a:t>Standard Deviations</a:t>
+                      </a:r>
+                      <a:r>
+                        <a:rPr lang="en-US" sz="1200" b="1" i="0" u="none" strike="noStrike" baseline="0" dirty="0" smtClean="0">
+                          <a:solidFill>
+                            <a:schemeClr val="tx1"/>
+                          </a:solidFill>
+                          <a:effectLst/>
+                          <a:latin typeface="+mn-lt"/>
+                        </a:rPr>
+                        <a:t> Above </a:t>
+                      </a:r>
+                      <a:r>
+                        <a:rPr lang="en-US" sz="1200" b="1" i="0" u="none" strike="noStrike" baseline="0" dirty="0" err="1" smtClean="0">
+                          <a:solidFill>
+                            <a:schemeClr val="tx1"/>
+                          </a:solidFill>
+                          <a:effectLst/>
+                          <a:latin typeface="+mn-lt"/>
+                        </a:rPr>
+                        <a:t>Medain</a:t>
                       </a:r>
                       <a:endParaRPr lang="en-US" sz="1200" b="1" i="0" u="none" strike="noStrike" dirty="0">
                         <a:solidFill>
                           <a:schemeClr val="tx1"/>
                         </a:solidFill>
                         <a:effectLst/>
-                        <a:latin typeface="Calibri" charset="0"/>
+                        <a:latin typeface="+mn-lt"/>
                       </a:endParaRPr>
                     </a:p>
                   </a:txBody>
@@ -4176,13 +4196,35 @@
                       <a:r>
                         <a:rPr lang="en-US" sz="1200" kern="1200" dirty="0" err="1" smtClean="0">
                           <a:solidFill>
-                            <a:schemeClr val="tx1"/>
+                            <a:srgbClr val="0070C0"/>
                           </a:solidFill>
                           <a:latin typeface="+mn-lt"/>
                           <a:ea typeface="+mn-ea"/>
                           <a:cs typeface="+mn-cs"/>
                         </a:rPr>
-                        <a:t>hypertension','osteoporosis</a:t>
+                        <a:t>hypertension</a:t>
+                      </a:r>
+                      <a:r>
+                        <a:rPr lang="en-US" sz="1200" kern="1200" dirty="0" err="1" smtClean="0">
+                          <a:solidFill>
+                            <a:schemeClr val="tx1"/>
+                          </a:solidFill>
+                          <a:latin typeface="+mn-lt"/>
+                          <a:ea typeface="+mn-ea"/>
+                          <a:cs typeface="+mn-cs"/>
+                        </a:rPr>
+                        <a:t>','</a:t>
+                      </a:r>
+                      <a:r>
+                        <a:rPr lang="en-US" sz="1200" kern="1200" dirty="0" err="1" smtClean="0">
+                          <a:solidFill>
+                            <a:srgbClr val="0070C0"/>
+                          </a:solidFill>
+                          <a:latin typeface="+mn-lt"/>
+                          <a:ea typeface="+mn-ea"/>
+                          <a:cs typeface="+mn-cs"/>
+                        </a:rPr>
+                        <a:t>osteoporosis</a:t>
                       </a:r>
                       <a:r>
                         <a:rPr lang="en-US" sz="1200" kern="1200" dirty="0" smtClean="0">
@@ -4200,7 +4242,7 @@
                           <a:srgbClr val="0070C0"/>
                         </a:solidFill>
                         <a:effectLst/>
-                        <a:latin typeface="Calibri" charset="0"/>
+                        <a:latin typeface="+mn-lt"/>
                       </a:endParaRPr>
                     </a:p>
                   </a:txBody>
@@ -4248,23 +4290,23 @@
                     <a:bodyPr/>
                     <a:lstStyle/>
                     <a:p>
-                      <a:pPr algn="l" fontAlgn="b"/>
+                      <a:pPr algn="ctr" fontAlgn="b"/>
                       <a:r>
                         <a:rPr lang="en-US" sz="1200" b="0" i="0" u="none" strike="noStrike" dirty="0" smtClean="0">
                           <a:solidFill>
-                            <a:srgbClr val="0070C0"/>
+                            <a:schemeClr val="tx1"/>
                           </a:solidFill>
                           <a:effectLst/>
-                          <a:latin typeface="Calibri" charset="0"/>
+                          <a:latin typeface="+mn-lt"/>
                         </a:rPr>
                         <a:t>2</a:t>
                       </a:r>
                       <a:endParaRPr lang="en-US" sz="1200" b="0" i="0" u="none" strike="noStrike" dirty="0">
                         <a:solidFill>
-                          <a:srgbClr val="0070C0"/>
+                          <a:schemeClr val="tx1"/>
                         </a:solidFill>
                         <a:effectLst/>
-                        <a:latin typeface="Calibri" charset="0"/>
+                        <a:latin typeface="+mn-lt"/>
                       </a:endParaRPr>
                     </a:p>
                   </a:txBody>
@@ -4312,14 +4354,14 @@
                     <a:bodyPr/>
                     <a:lstStyle/>
                     <a:p>
-                      <a:pPr algn="l" fontAlgn="b"/>
+                      <a:pPr algn="ctr" fontAlgn="b"/>
                       <a:r>
                         <a:rPr lang="en-US" sz="1200" b="0" i="0" u="none" strike="noStrike" dirty="0" smtClean="0">
                           <a:solidFill>
-                            <a:srgbClr val="0070C0"/>
+                            <a:schemeClr val="tx1"/>
                           </a:solidFill>
                           <a:effectLst/>
-                          <a:latin typeface="Calibri" charset="0"/>
+                          <a:latin typeface="+mn-lt"/>
                         </a:rPr>
                         <a:t>0.1169</a:t>
                       </a:r>
@@ -4372,12 +4414,89 @@
                     <a:lstStyle/>
                     <a:p>
                       <a:pPr algn="l" fontAlgn="b"/>
+                      <a:r>
+                        <a:rPr lang="en-US" sz="1200" kern="1200" dirty="0" smtClean="0">
+                          <a:solidFill>
+                            <a:schemeClr val="tx1"/>
+                          </a:solidFill>
+                          <a:latin typeface="+mn-lt"/>
+                          <a:ea typeface="+mn-ea"/>
+                          <a:cs typeface="+mn-cs"/>
+                        </a:rPr>
+                        <a:t>('</a:t>
+                      </a:r>
+                      <a:r>
+                        <a:rPr lang="en-US" sz="1200" kern="1200" dirty="0" smtClean="0">
+                          <a:solidFill>
+                            <a:srgbClr val="FF0000"/>
+                          </a:solidFill>
+                          <a:latin typeface="+mn-lt"/>
+                          <a:ea typeface="+mn-ea"/>
+                          <a:cs typeface="+mn-cs"/>
+                        </a:rPr>
+                        <a:t>cox-2 inhibitors</a:t>
+                      </a:r>
+                      <a:r>
+                        <a:rPr lang="en-US" sz="1200" kern="1200" dirty="0" smtClean="0">
+                          <a:solidFill>
+                            <a:schemeClr val="tx1"/>
+                          </a:solidFill>
+                          <a:latin typeface="+mn-lt"/>
+                          <a:ea typeface="+mn-ea"/>
+                          <a:cs typeface="+mn-cs"/>
+                        </a:rPr>
+                        <a:t>', </a:t>
+                      </a:r>
+                      <a:r>
+                        <a:rPr lang="en-US" sz="1200" kern="1200" dirty="0" smtClean="0">
+                          <a:solidFill>
+                            <a:srgbClr val="FF0000"/>
+                          </a:solidFill>
+                          <a:latin typeface="+mn-lt"/>
+                          <a:ea typeface="+mn-ea"/>
+                          <a:cs typeface="+mn-cs"/>
+                        </a:rPr>
+                        <a:t>'proton pump inhibitors</a:t>
+                      </a:r>
+                      <a:r>
+                        <a:rPr lang="en-US" sz="1200" kern="1200" dirty="0" smtClean="0">
+                          <a:solidFill>
+                            <a:schemeClr val="tx1"/>
+                          </a:solidFill>
+                          <a:latin typeface="+mn-lt"/>
+                          <a:ea typeface="+mn-ea"/>
+                          <a:cs typeface="+mn-cs"/>
+                        </a:rPr>
+                        <a:t>', '</a:t>
+                      </a:r>
+                      <a:r>
+                        <a:rPr lang="en-US" sz="1200" kern="1200" dirty="0" smtClean="0">
+                          <a:solidFill>
+                            <a:srgbClr val="FF0000"/>
+                          </a:solidFill>
+                          <a:latin typeface="+mn-lt"/>
+                          <a:ea typeface="+mn-ea"/>
+                          <a:cs typeface="+mn-cs"/>
+                        </a:rPr>
+                        <a:t>vitamins</a:t>
+                      </a:r>
+                      <a:r>
+                        <a:rPr lang="en-US" sz="1200" kern="1200" dirty="0" smtClean="0">
+                          <a:solidFill>
+                            <a:schemeClr val="tx1"/>
+                          </a:solidFill>
+                          <a:latin typeface="+mn-lt"/>
+                          <a:ea typeface="+mn-ea"/>
+                          <a:cs typeface="+mn-cs"/>
+                        </a:rPr>
+                        <a:t>') </a:t>
+                      </a:r>
                       <a:endParaRPr lang="en-US" sz="1200" b="0" i="0" u="none" strike="noStrike" dirty="0">
                         <a:solidFill>
                           <a:srgbClr val="0070C0"/>
                         </a:solidFill>
                         <a:effectLst/>
-                        <a:latin typeface="Calibri" charset="0"/>
+                        <a:latin typeface="+mn-lt"/>
                       </a:endParaRPr>
                     </a:p>
                   </a:txBody>
@@ -4425,13 +4544,23 @@
                     <a:bodyPr/>
                     <a:lstStyle/>
                     <a:p>
-                      <a:pPr algn="l" fontAlgn="b"/>
+                      <a:pPr algn="ctr" fontAlgn="b"/>
+                      <a:r>
+                        <a:rPr lang="en-US" sz="1200" b="0" i="0" u="none" strike="noStrike" dirty="0" smtClean="0">
+                          <a:solidFill>
+                            <a:schemeClr val="tx1"/>
+                          </a:solidFill>
+                          <a:effectLst/>
+                          <a:latin typeface="+mn-lt"/>
+                        </a:rPr>
+                        <a:t>3</a:t>
+                      </a:r>
                       <a:endParaRPr lang="en-US" sz="1200" b="0" i="0" u="none" strike="noStrike" dirty="0">
                         <a:solidFill>
-                          <a:srgbClr val="0070C0"/>
+                          <a:schemeClr val="tx1"/>
                         </a:solidFill>
                         <a:effectLst/>
-                        <a:latin typeface="Calibri" charset="0"/>
+                        <a:latin typeface="+mn-lt"/>
                       </a:endParaRPr>
                     </a:p>
                   </a:txBody>
@@ -4479,13 +4608,24 @@
                     <a:bodyPr/>
                     <a:lstStyle/>
                     <a:p>
-                      <a:pPr algn="l" fontAlgn="b"/>
+                      <a:pPr algn="ctr" fontAlgn="b"/>
+                      <a:r>
+                        <a:rPr lang="en-US" sz="1200" kern="1200" dirty="0" smtClean="0">
+                          <a:solidFill>
+                            <a:schemeClr val="tx1"/>
+                          </a:solidFill>
+                          <a:latin typeface="+mn-lt"/>
+                          <a:ea typeface="+mn-ea"/>
+                          <a:cs typeface="+mn-cs"/>
+                        </a:rPr>
+                        <a:t>0.0907</a:t>
+                      </a:r>
                       <a:endParaRPr lang="en-US" sz="1200" b="0" i="0" u="none" strike="noStrike" dirty="0">
                         <a:solidFill>
-                          <a:srgbClr val="0070C0"/>
+                          <a:schemeClr val="tx1"/>
                         </a:solidFill>
                         <a:effectLst/>
-                        <a:latin typeface="Calibri" charset="0"/>
+                        <a:latin typeface="+mn-lt"/>
                       </a:endParaRPr>
                     </a:p>
                   </a:txBody>
@@ -4536,12 +4676,67 @@
                     <a:lstStyle/>
                     <a:p>
                       <a:pPr algn="l" fontAlgn="b"/>
+                      <a:r>
+                        <a:rPr lang="en-US" sz="1200" kern="1200" dirty="0" smtClean="0">
+                          <a:solidFill>
+                            <a:schemeClr val="tx1"/>
+                          </a:solidFill>
+                          <a:latin typeface="+mn-lt"/>
+                          <a:ea typeface="+mn-ea"/>
+                          <a:cs typeface="+mn-cs"/>
+                        </a:rPr>
+                        <a:t>('</a:t>
+                      </a:r>
+                      <a:r>
+                        <a:rPr lang="en-US" sz="1200" kern="1200" dirty="0" smtClean="0">
+                          <a:solidFill>
+                            <a:srgbClr val="FF0000"/>
+                          </a:solidFill>
+                          <a:latin typeface="+mn-lt"/>
+                          <a:ea typeface="+mn-ea"/>
+                          <a:cs typeface="+mn-cs"/>
+                        </a:rPr>
+                        <a:t>cox-2 inhibitors</a:t>
+                      </a:r>
+                      <a:r>
+                        <a:rPr lang="en-US" sz="1200" kern="1200" dirty="0" smtClean="0">
+                          <a:solidFill>
+                            <a:schemeClr val="tx1"/>
+                          </a:solidFill>
+                          <a:latin typeface="+mn-lt"/>
+                          <a:ea typeface="+mn-ea"/>
+                          <a:cs typeface="+mn-cs"/>
+                        </a:rPr>
+                        <a:t>', </a:t>
+                      </a:r>
+                      <a:r>
+                        <a:rPr lang="en-US" sz="1200" kern="1200" dirty="0" smtClean="0">
+                          <a:solidFill>
+                            <a:srgbClr val="0070C0"/>
+                          </a:solidFill>
+                          <a:latin typeface="+mn-lt"/>
+                          <a:ea typeface="+mn-ea"/>
+                          <a:cs typeface="+mn-cs"/>
+                        </a:rPr>
+                        <a:t>'osteoporosis</a:t>
+                      </a:r>
+                      <a:r>
+                        <a:rPr lang="en-US" sz="1200" kern="1200" dirty="0" smtClean="0">
+                          <a:solidFill>
+                            <a:schemeClr val="tx1"/>
+                          </a:solidFill>
+                          <a:latin typeface="+mn-lt"/>
+                          <a:ea typeface="+mn-ea"/>
+                          <a:cs typeface="+mn-cs"/>
+                        </a:rPr>
+                        <a:t>')</a:t>
+                      </a:r>
                       <a:endParaRPr lang="en-US" sz="1200" b="0" i="0" u="none" strike="noStrike" dirty="0">
                         <a:solidFill>
                           <a:srgbClr val="0070C0"/>
                         </a:solidFill>
                         <a:effectLst/>
-                        <a:latin typeface="Calibri" charset="0"/>
+                        <a:latin typeface="+mn-lt"/>
                       </a:endParaRPr>
                     </a:p>
                   </a:txBody>
@@ -4589,13 +4784,23 @@
                     <a:bodyPr/>
                     <a:lstStyle/>
                     <a:p>
-                      <a:pPr algn="l" fontAlgn="b"/>
+                      <a:pPr algn="ctr" fontAlgn="b"/>
+                      <a:r>
+                        <a:rPr lang="en-US" sz="1200" b="0" i="0" u="none" strike="noStrike" dirty="0" smtClean="0">
+                          <a:solidFill>
+                            <a:schemeClr val="tx1"/>
+                          </a:solidFill>
+                          <a:effectLst/>
+                          <a:latin typeface="+mn-lt"/>
+                        </a:rPr>
+                        <a:t>2</a:t>
+                      </a:r>
                       <a:endParaRPr lang="en-US" sz="1200" b="0" i="0" u="none" strike="noStrike" dirty="0">
                         <a:solidFill>
-                          <a:srgbClr val="0070C0"/>
+                          <a:schemeClr val="tx1"/>
                         </a:solidFill>
                         <a:effectLst/>
-                        <a:latin typeface="Calibri" charset="0"/>
+                        <a:latin typeface="+mn-lt"/>
                       </a:endParaRPr>
                     </a:p>
                   </a:txBody>
@@ -4643,13 +4848,24 @@
                     <a:bodyPr/>
                     <a:lstStyle/>
                     <a:p>
-                      <a:pPr algn="l" fontAlgn="b"/>
+                      <a:pPr algn="ctr" fontAlgn="b"/>
+                      <a:r>
+                        <a:rPr lang="en-US" sz="1200" kern="1200" dirty="0" smtClean="0">
+                          <a:solidFill>
+                            <a:schemeClr val="tx1"/>
+                          </a:solidFill>
+                          <a:latin typeface="+mn-lt"/>
+                          <a:ea typeface="+mn-ea"/>
+                          <a:cs typeface="+mn-cs"/>
+                        </a:rPr>
+                        <a:t>-0.0071</a:t>
+                      </a:r>
                       <a:endParaRPr lang="en-US" sz="1200" b="0" i="0" u="none" strike="noStrike" dirty="0">
                         <a:solidFill>
-                          <a:srgbClr val="0070C0"/>
+                          <a:schemeClr val="tx1"/>
                         </a:solidFill>
                         <a:effectLst/>
-                        <a:latin typeface="Calibri" charset="0"/>
+                        <a:latin typeface="+mn-lt"/>
                       </a:endParaRPr>
                     </a:p>
                   </a:txBody>
@@ -4700,12 +4916,78 @@
                     <a:lstStyle/>
                     <a:p>
                       <a:pPr algn="l" fontAlgn="b"/>
+                      <a:r>
+                        <a:rPr lang="en-US" sz="1200" kern="1200" dirty="0" smtClean="0">
+                          <a:solidFill>
+                            <a:schemeClr val="tx1"/>
+                          </a:solidFill>
+                          <a:latin typeface="+mn-lt"/>
+                          <a:ea typeface="+mn-ea"/>
+                          <a:cs typeface="+mn-cs"/>
+                        </a:rPr>
+                        <a:t>'</a:t>
+                      </a:r>
+                      <a:r>
+                        <a:rPr lang="en-US" sz="1200" kern="1200" dirty="0" err="1" smtClean="0">
+                          <a:solidFill>
+                            <a:srgbClr val="0070C0"/>
+                          </a:solidFill>
+                          <a:latin typeface="+mn-lt"/>
+                          <a:ea typeface="+mn-ea"/>
+                          <a:cs typeface="+mn-cs"/>
+                        </a:rPr>
+                        <a:t>osteoarthrosis</a:t>
+                      </a:r>
+                      <a:r>
+                        <a:rPr lang="en-US" sz="1200" kern="1200" dirty="0" smtClean="0">
+                          <a:solidFill>
+                            <a:srgbClr val="0070C0"/>
+                          </a:solidFill>
+                          <a:latin typeface="+mn-lt"/>
+                          <a:ea typeface="+mn-ea"/>
+                          <a:cs typeface="+mn-cs"/>
+                        </a:rPr>
+                        <a:t> and allied disorders</a:t>
+                      </a:r>
+                      <a:r>
+                        <a:rPr lang="en-US" sz="1200" kern="1200" dirty="0" smtClean="0">
+                          <a:solidFill>
+                            <a:schemeClr val="tx1"/>
+                          </a:solidFill>
+                          <a:latin typeface="+mn-lt"/>
+                          <a:ea typeface="+mn-ea"/>
+                          <a:cs typeface="+mn-cs"/>
+                        </a:rPr>
+                        <a:t>', '</a:t>
+                      </a:r>
+                      <a:r>
+                        <a:rPr lang="en-US" sz="1200" kern="1200" dirty="0" smtClean="0">
+                          <a:solidFill>
+                            <a:srgbClr val="0070C0"/>
+                          </a:solidFill>
+                          <a:latin typeface="+mn-lt"/>
+                          <a:ea typeface="+mn-ea"/>
+                          <a:cs typeface="+mn-cs"/>
+                        </a:rPr>
+                        <a:t>osteoporosis</a:t>
+                      </a:r>
+                      <a:r>
+                        <a:rPr lang="en-US" sz="1200" kern="1200" dirty="0" smtClean="0">
+                          <a:solidFill>
+                            <a:schemeClr val="tx1"/>
+                          </a:solidFill>
+                          <a:latin typeface="+mn-lt"/>
+                          <a:ea typeface="+mn-ea"/>
+                          <a:cs typeface="+mn-cs"/>
+                        </a:rPr>
+                        <a:t>'</a:t>
+                      </a:r>
                       <a:endParaRPr lang="en-US" sz="1200" b="0" i="0" u="none" strike="noStrike" dirty="0">
                         <a:solidFill>
                           <a:srgbClr val="0070C0"/>
                         </a:solidFill>
                         <a:effectLst/>
-                        <a:latin typeface="Calibri" charset="0"/>
+                        <a:latin typeface="+mn-lt"/>
                       </a:endParaRPr>
                     </a:p>
                   </a:txBody>
@@ -4753,13 +5035,23 @@
                     <a:bodyPr/>
                     <a:lstStyle/>
                     <a:p>
-                      <a:pPr algn="l" fontAlgn="b"/>
+                      <a:pPr algn="ctr" fontAlgn="b"/>
+                      <a:r>
+                        <a:rPr lang="en-US" sz="1200" b="0" i="0" u="none" strike="noStrike" dirty="0" smtClean="0">
+                          <a:solidFill>
+                            <a:schemeClr val="tx1"/>
+                          </a:solidFill>
+                          <a:effectLst/>
+                          <a:latin typeface="+mn-lt"/>
+                        </a:rPr>
+                        <a:t>2</a:t>
+                      </a:r>
                       <a:endParaRPr lang="en-US" sz="1200" b="0" i="0" u="none" strike="noStrike" dirty="0">
                         <a:solidFill>
-                          <a:srgbClr val="0070C0"/>
+                          <a:schemeClr val="tx1"/>
                         </a:solidFill>
                         <a:effectLst/>
-                        <a:latin typeface="Calibri" charset="0"/>
+                        <a:latin typeface="+mn-lt"/>
                       </a:endParaRPr>
                     </a:p>
                   </a:txBody>
@@ -4807,13 +5099,24 @@
                     <a:bodyPr/>
                     <a:lstStyle/>
                     <a:p>
-                      <a:pPr algn="l" fontAlgn="b"/>
+                      <a:pPr algn="ctr" fontAlgn="b"/>
+                      <a:r>
+                        <a:rPr lang="en-US" sz="1200" kern="1200" dirty="0" smtClean="0">
+                          <a:solidFill>
+                            <a:schemeClr val="tx1"/>
+                          </a:solidFill>
+                          <a:latin typeface="+mn-lt"/>
+                          <a:ea typeface="+mn-ea"/>
+                          <a:cs typeface="+mn-cs"/>
+                        </a:rPr>
+                        <a:t>-0.0053</a:t>
+                      </a:r>
                       <a:endParaRPr lang="en-US" sz="1200" b="0" i="0" u="none" strike="noStrike" dirty="0">
                         <a:solidFill>
-                          <a:srgbClr val="0070C0"/>
+                          <a:schemeClr val="tx1"/>
                         </a:solidFill>
                         <a:effectLst/>
-                        <a:latin typeface="Calibri" charset="0"/>
+                        <a:latin typeface="+mn-lt"/>
                       </a:endParaRPr>
                     </a:p>
                   </a:txBody>
@@ -4864,12 +5167,67 @@
                     <a:lstStyle/>
                     <a:p>
                       <a:pPr algn="l" fontAlgn="b"/>
+                      <a:r>
+                        <a:rPr lang="en-US" sz="1200" kern="1200" dirty="0" smtClean="0">
+                          <a:solidFill>
+                            <a:schemeClr val="tx1"/>
+                          </a:solidFill>
+                          <a:latin typeface="+mn-lt"/>
+                          <a:ea typeface="+mn-ea"/>
+                          <a:cs typeface="+mn-cs"/>
+                        </a:rPr>
+                        <a:t>('</a:t>
+                      </a:r>
+                      <a:r>
+                        <a:rPr lang="en-US" sz="1200" kern="1200" dirty="0" smtClean="0">
+                          <a:solidFill>
+                            <a:srgbClr val="0070C0"/>
+                          </a:solidFill>
+                          <a:latin typeface="+mn-lt"/>
+                          <a:ea typeface="+mn-ea"/>
+                          <a:cs typeface="+mn-cs"/>
+                        </a:rPr>
+                        <a:t>osteoporosis</a:t>
+                      </a:r>
+                      <a:r>
+                        <a:rPr lang="en-US" sz="1200" kern="1200" dirty="0" smtClean="0">
+                          <a:solidFill>
+                            <a:schemeClr val="tx1"/>
+                          </a:solidFill>
+                          <a:latin typeface="+mn-lt"/>
+                          <a:ea typeface="+mn-ea"/>
+                          <a:cs typeface="+mn-cs"/>
+                        </a:rPr>
+                        <a:t>', </a:t>
+                      </a:r>
+                      <a:r>
+                        <a:rPr lang="en-US" sz="1200" kern="1200" dirty="0" smtClean="0">
+                          <a:solidFill>
+                            <a:srgbClr val="FF0000"/>
+                          </a:solidFill>
+                          <a:latin typeface="+mn-lt"/>
+                          <a:ea typeface="+mn-ea"/>
+                          <a:cs typeface="+mn-cs"/>
+                        </a:rPr>
+                        <a:t>'proton pump inhibitors</a:t>
+                      </a:r>
+                      <a:r>
+                        <a:rPr lang="en-US" sz="1200" kern="1200" dirty="0" smtClean="0">
+                          <a:solidFill>
+                            <a:schemeClr val="tx1"/>
+                          </a:solidFill>
+                          <a:latin typeface="+mn-lt"/>
+                          <a:ea typeface="+mn-ea"/>
+                          <a:cs typeface="+mn-cs"/>
+                        </a:rPr>
+                        <a:t>')</a:t>
+                      </a:r>
                       <a:endParaRPr lang="en-US" sz="1200" b="0" i="0" u="none" strike="noStrike" dirty="0">
                         <a:solidFill>
                           <a:srgbClr val="0070C0"/>
                         </a:solidFill>
                         <a:effectLst/>
-                        <a:latin typeface="Calibri" charset="0"/>
+                        <a:latin typeface="+mn-lt"/>
                       </a:endParaRPr>
                     </a:p>
                   </a:txBody>
@@ -4917,13 +5275,23 @@
                     <a:bodyPr/>
                     <a:lstStyle/>
                     <a:p>
-                      <a:pPr algn="l" fontAlgn="b"/>
+                      <a:pPr algn="ctr" fontAlgn="b"/>
+                      <a:r>
+                        <a:rPr lang="en-US" sz="1200" b="0" i="0" u="none" strike="noStrike" dirty="0" smtClean="0">
+                          <a:solidFill>
+                            <a:schemeClr val="tx1"/>
+                          </a:solidFill>
+                          <a:effectLst/>
+                          <a:latin typeface="+mn-lt"/>
+                        </a:rPr>
+                        <a:t>2</a:t>
+                      </a:r>
                       <a:endParaRPr lang="en-US" sz="1200" b="0" i="0" u="none" strike="noStrike" dirty="0">
                         <a:solidFill>
-                          <a:srgbClr val="0070C0"/>
+                          <a:schemeClr val="tx1"/>
                         </a:solidFill>
                         <a:effectLst/>
-                        <a:latin typeface="Calibri" charset="0"/>
+                        <a:latin typeface="+mn-lt"/>
                       </a:endParaRPr>
                     </a:p>
                   </a:txBody>
@@ -4971,13 +5339,23 @@
                     <a:bodyPr/>
                     <a:lstStyle/>
                     <a:p>
-                      <a:pPr algn="l" fontAlgn="b"/>
+                      <a:pPr algn="ctr" fontAlgn="b"/>
+                      <a:r>
+                        <a:rPr lang="en-US" sz="1200" b="0" i="0" u="none" strike="noStrike" dirty="0" smtClean="0">
+                          <a:solidFill>
+                            <a:schemeClr val="tx1"/>
+                          </a:solidFill>
+                          <a:effectLst/>
+                          <a:latin typeface="+mn-lt"/>
+                        </a:rPr>
+                        <a:t>0.0266</a:t>
+                      </a:r>
                       <a:endParaRPr lang="en-US" sz="1200" b="0" i="0" u="none" strike="noStrike" dirty="0">
                         <a:solidFill>
-                          <a:srgbClr val="0070C0"/>
+                          <a:schemeClr val="tx1"/>
                         </a:solidFill>
                         <a:effectLst/>
-                        <a:latin typeface="Calibri" charset="0"/>
+                        <a:latin typeface="+mn-lt"/>
                       </a:endParaRPr>
                     </a:p>
                   </a:txBody>
@@ -5028,12 +5406,78 @@
                     <a:lstStyle/>
                     <a:p>
                       <a:pPr algn="l" fontAlgn="b"/>
+                      <a:r>
+                        <a:rPr lang="en-US" sz="1200" kern="1200" dirty="0" smtClean="0">
+                          <a:solidFill>
+                            <a:schemeClr val="tx1"/>
+                          </a:solidFill>
+                          <a:latin typeface="+mn-lt"/>
+                          <a:ea typeface="+mn-ea"/>
+                          <a:cs typeface="+mn-cs"/>
+                        </a:rPr>
+                        <a:t>('</a:t>
+                      </a:r>
+                      <a:r>
+                        <a:rPr lang="en-US" sz="1200" kern="1200" dirty="0" smtClean="0">
+                          <a:solidFill>
+                            <a:srgbClr val="0070C0"/>
+                          </a:solidFill>
+                          <a:latin typeface="+mn-lt"/>
+                          <a:ea typeface="+mn-ea"/>
+                          <a:cs typeface="+mn-cs"/>
+                        </a:rPr>
+                        <a:t>osteoporosis</a:t>
+                      </a:r>
+                      <a:r>
+                        <a:rPr lang="en-US" sz="1200" kern="1200" dirty="0" smtClean="0">
+                          <a:solidFill>
+                            <a:schemeClr val="tx1"/>
+                          </a:solidFill>
+                          <a:latin typeface="+mn-lt"/>
+                          <a:ea typeface="+mn-ea"/>
+                          <a:cs typeface="+mn-cs"/>
+                        </a:rPr>
+                        <a:t>', </a:t>
+                      </a:r>
+                      <a:r>
+                        <a:rPr lang="en-US" sz="1200" kern="1200" dirty="0" smtClean="0">
+                          <a:solidFill>
+                            <a:srgbClr val="0070C0"/>
+                          </a:solidFill>
+                          <a:latin typeface="+mn-lt"/>
+                          <a:ea typeface="+mn-ea"/>
+                          <a:cs typeface="+mn-cs"/>
+                        </a:rPr>
+                        <a:t>'rheumatoid arthritis and other inflammatory </a:t>
+                      </a:r>
+                      <a:r>
+                        <a:rPr lang="en-US" sz="1200" kern="1200" dirty="0" err="1" smtClean="0">
+                          <a:solidFill>
+                            <a:srgbClr val="0070C0"/>
+                          </a:solidFill>
+                          <a:latin typeface="+mn-lt"/>
+                          <a:ea typeface="+mn-ea"/>
+                          <a:cs typeface="+mn-cs"/>
+                        </a:rPr>
+                        <a:t>polyarthropathies</a:t>
+                      </a:r>
+                      <a:r>
+                        <a:rPr lang="en-US" sz="1200" kern="1200" dirty="0" smtClean="0">
+                          <a:solidFill>
+                            <a:schemeClr val="tx1"/>
+                          </a:solidFill>
+                          <a:latin typeface="+mn-lt"/>
+                          <a:ea typeface="+mn-ea"/>
+                          <a:cs typeface="+mn-cs"/>
+                        </a:rPr>
+                        <a:t>')</a:t>
+                      </a:r>
                       <a:endParaRPr lang="en-US" sz="1200" b="0" i="0" u="none" strike="noStrike" dirty="0">
                         <a:solidFill>
                           <a:srgbClr val="0070C0"/>
                         </a:solidFill>
                         <a:effectLst/>
-                        <a:latin typeface="Calibri" charset="0"/>
+                        <a:latin typeface="+mn-lt"/>
                       </a:endParaRPr>
                     </a:p>
                   </a:txBody>
@@ -5081,13 +5525,23 @@
                     <a:bodyPr/>
                     <a:lstStyle/>
                     <a:p>
-                      <a:pPr algn="l" fontAlgn="b"/>
+                      <a:pPr algn="ctr" fontAlgn="b"/>
+                      <a:r>
+                        <a:rPr lang="en-US" sz="1200" b="0" i="0" u="none" strike="noStrike" dirty="0" smtClean="0">
+                          <a:solidFill>
+                            <a:schemeClr val="tx1"/>
+                          </a:solidFill>
+                          <a:effectLst/>
+                          <a:latin typeface="+mn-lt"/>
+                        </a:rPr>
+                        <a:t>2</a:t>
+                      </a:r>
                       <a:endParaRPr lang="en-US" sz="1200" b="0" i="0" u="none" strike="noStrike" dirty="0">
                         <a:solidFill>
-                          <a:srgbClr val="0070C0"/>
+                          <a:schemeClr val="tx1"/>
                         </a:solidFill>
                         <a:effectLst/>
-                        <a:latin typeface="Calibri" charset="0"/>
+                        <a:latin typeface="+mn-lt"/>
                       </a:endParaRPr>
                     </a:p>
                   </a:txBody>
@@ -5135,1161 +5589,23 @@
                     <a:bodyPr/>
                     <a:lstStyle/>
                     <a:p>
-                      <a:pPr algn="l" fontAlgn="b"/>
+                      <a:pPr algn="ctr" fontAlgn="b"/>
+                      <a:r>
+                        <a:rPr lang="en-US" sz="1200" b="0" i="0" u="none" strike="noStrike" dirty="0" smtClean="0">
+                          <a:solidFill>
+                            <a:schemeClr val="tx1"/>
+                          </a:solidFill>
+                          <a:effectLst/>
+                          <a:latin typeface="+mn-lt"/>
+                        </a:rPr>
+                        <a:t>-0.0018</a:t>
+                      </a:r>
                       <a:endParaRPr lang="en-US" sz="1200" b="0" i="0" u="none" strike="noStrike" dirty="0">
                         <a:solidFill>
-                          <a:srgbClr val="0070C0"/>
+                          <a:schemeClr val="tx1"/>
                         </a:solidFill>
                         <a:effectLst/>
-                        <a:latin typeface="Calibri" charset="0"/>
-                      </a:endParaRPr>
-                    </a:p>
-                  </a:txBody>
-                  <a:tcPr marL="12700" marR="12700" marT="12700" marB="0" anchor="b">
-                    <a:lnL w="12700" cap="flat" cmpd="sng" algn="ctr">
-                      <a:solidFill>
-                        <a:schemeClr val="tx1"/>
-                      </a:solidFill>
-                      <a:prstDash val="solid"/>
-                      <a:round/>
-                      <a:headEnd type="none" w="med" len="med"/>
-                      <a:tailEnd type="none" w="med" len="med"/>
-                    </a:lnL>
-                    <a:lnR w="12700" cap="flat" cmpd="sng" algn="ctr">
-                      <a:solidFill>
-                        <a:schemeClr val="tx1"/>
-                      </a:solidFill>
-                      <a:prstDash val="solid"/>
-                      <a:round/>
-                      <a:headEnd type="none" w="med" len="med"/>
-                      <a:tailEnd type="none" w="med" len="med"/>
-                    </a:lnR>
-                    <a:lnT w="12700" cap="flat" cmpd="sng" algn="ctr">
-                      <a:solidFill>
-                        <a:schemeClr val="tx1"/>
-                      </a:solidFill>
-                      <a:prstDash val="solid"/>
-                      <a:round/>
-                      <a:headEnd type="none" w="med" len="med"/>
-                      <a:tailEnd type="none" w="med" len="med"/>
-                    </a:lnT>
-                    <a:lnB w="12700" cap="flat" cmpd="sng" algn="ctr">
-                      <a:solidFill>
-                        <a:schemeClr val="tx1"/>
-                      </a:solidFill>
-                      <a:prstDash val="solid"/>
-                      <a:round/>
-                      <a:headEnd type="none" w="med" len="med"/>
-                      <a:tailEnd type="none" w="med" len="med"/>
-                    </a:lnB>
-                  </a:tcPr>
-                </a:tc>
-              </a:tr>
-              <a:tr h="203200">
-                <a:tc>
-                  <a:txBody>
-                    <a:bodyPr/>
-                    <a:lstStyle/>
-                    <a:p>
-                      <a:pPr algn="l" fontAlgn="b"/>
-                      <a:endParaRPr lang="en-US" sz="1200" b="0" i="0" u="none" strike="noStrike" dirty="0">
-                        <a:solidFill>
-                          <a:srgbClr val="FF0000"/>
-                        </a:solidFill>
-                        <a:effectLst/>
-                        <a:latin typeface="Calibri" charset="0"/>
-                      </a:endParaRPr>
-                    </a:p>
-                  </a:txBody>
-                  <a:tcPr marL="12700" marR="12700" marT="12700" marB="0" anchor="b">
-                    <a:lnL w="12700" cap="flat" cmpd="sng" algn="ctr">
-                      <a:solidFill>
-                        <a:schemeClr val="tx1"/>
-                      </a:solidFill>
-                      <a:prstDash val="solid"/>
-                      <a:round/>
-                      <a:headEnd type="none" w="med" len="med"/>
-                      <a:tailEnd type="none" w="med" len="med"/>
-                    </a:lnL>
-                    <a:lnR w="12700" cap="flat" cmpd="sng" algn="ctr">
-                      <a:solidFill>
-                        <a:schemeClr val="tx1"/>
-                      </a:solidFill>
-                      <a:prstDash val="solid"/>
-                      <a:round/>
-                      <a:headEnd type="none" w="med" len="med"/>
-                      <a:tailEnd type="none" w="med" len="med"/>
-                    </a:lnR>
-                    <a:lnT w="12700" cap="flat" cmpd="sng" algn="ctr">
-                      <a:solidFill>
-                        <a:schemeClr val="tx1"/>
-                      </a:solidFill>
-                      <a:prstDash val="solid"/>
-                      <a:round/>
-                      <a:headEnd type="none" w="med" len="med"/>
-                      <a:tailEnd type="none" w="med" len="med"/>
-                    </a:lnT>
-                    <a:lnB w="12700" cap="flat" cmpd="sng" algn="ctr">
-                      <a:solidFill>
-                        <a:schemeClr val="tx1"/>
-                      </a:solidFill>
-                      <a:prstDash val="solid"/>
-                      <a:round/>
-                      <a:headEnd type="none" w="med" len="med"/>
-                      <a:tailEnd type="none" w="med" len="med"/>
-                    </a:lnB>
-                  </a:tcPr>
-                </a:tc>
-                <a:tc>
-                  <a:txBody>
-                    <a:bodyPr/>
-                    <a:lstStyle/>
-                    <a:p>
-                      <a:pPr algn="l" fontAlgn="b"/>
-                      <a:endParaRPr lang="en-US" sz="1200" b="0" i="0" u="none" strike="noStrike" dirty="0">
-                        <a:solidFill>
-                          <a:srgbClr val="FF0000"/>
-                        </a:solidFill>
-                        <a:effectLst/>
-                        <a:latin typeface="Calibri" charset="0"/>
-                      </a:endParaRPr>
-                    </a:p>
-                  </a:txBody>
-                  <a:tcPr marL="12700" marR="12700" marT="12700" marB="0" anchor="b">
-                    <a:lnL w="12700" cap="flat" cmpd="sng" algn="ctr">
-                      <a:solidFill>
-                        <a:schemeClr val="tx1"/>
-                      </a:solidFill>
-                      <a:prstDash val="solid"/>
-                      <a:round/>
-                      <a:headEnd type="none" w="med" len="med"/>
-                      <a:tailEnd type="none" w="med" len="med"/>
-                    </a:lnL>
-                    <a:lnR w="12700" cap="flat" cmpd="sng" algn="ctr">
-                      <a:solidFill>
-                        <a:schemeClr val="tx1"/>
-                      </a:solidFill>
-                      <a:prstDash val="solid"/>
-                      <a:round/>
-                      <a:headEnd type="none" w="med" len="med"/>
-                      <a:tailEnd type="none" w="med" len="med"/>
-                    </a:lnR>
-                    <a:lnT w="12700" cap="flat" cmpd="sng" algn="ctr">
-                      <a:solidFill>
-                        <a:schemeClr val="tx1"/>
-                      </a:solidFill>
-                      <a:prstDash val="solid"/>
-                      <a:round/>
-                      <a:headEnd type="none" w="med" len="med"/>
-                      <a:tailEnd type="none" w="med" len="med"/>
-                    </a:lnT>
-                    <a:lnB w="12700" cap="flat" cmpd="sng" algn="ctr">
-                      <a:solidFill>
-                        <a:schemeClr val="tx1"/>
-                      </a:solidFill>
-                      <a:prstDash val="solid"/>
-                      <a:round/>
-                      <a:headEnd type="none" w="med" len="med"/>
-                      <a:tailEnd type="none" w="med" len="med"/>
-                    </a:lnB>
-                  </a:tcPr>
-                </a:tc>
-                <a:tc>
-                  <a:txBody>
-                    <a:bodyPr/>
-                    <a:lstStyle/>
-                    <a:p>
-                      <a:pPr algn="l" fontAlgn="b"/>
-                      <a:endParaRPr lang="en-US" sz="1200" b="0" i="0" u="none" strike="noStrike" dirty="0">
-                        <a:solidFill>
-                          <a:srgbClr val="FF0000"/>
-                        </a:solidFill>
-                        <a:effectLst/>
-                        <a:latin typeface="Calibri" charset="0"/>
-                      </a:endParaRPr>
-                    </a:p>
-                  </a:txBody>
-                  <a:tcPr marL="12700" marR="12700" marT="12700" marB="0" anchor="b">
-                    <a:lnL w="12700" cap="flat" cmpd="sng" algn="ctr">
-                      <a:solidFill>
-                        <a:schemeClr val="tx1"/>
-                      </a:solidFill>
-                      <a:prstDash val="solid"/>
-                      <a:round/>
-                      <a:headEnd type="none" w="med" len="med"/>
-                      <a:tailEnd type="none" w="med" len="med"/>
-                    </a:lnL>
-                    <a:lnR w="12700" cap="flat" cmpd="sng" algn="ctr">
-                      <a:solidFill>
-                        <a:schemeClr val="tx1"/>
-                      </a:solidFill>
-                      <a:prstDash val="solid"/>
-                      <a:round/>
-                      <a:headEnd type="none" w="med" len="med"/>
-                      <a:tailEnd type="none" w="med" len="med"/>
-                    </a:lnR>
-                    <a:lnT w="12700" cap="flat" cmpd="sng" algn="ctr">
-                      <a:solidFill>
-                        <a:schemeClr val="tx1"/>
-                      </a:solidFill>
-                      <a:prstDash val="solid"/>
-                      <a:round/>
-                      <a:headEnd type="none" w="med" len="med"/>
-                      <a:tailEnd type="none" w="med" len="med"/>
-                    </a:lnT>
-                    <a:lnB w="12700" cap="flat" cmpd="sng" algn="ctr">
-                      <a:solidFill>
-                        <a:schemeClr val="tx1"/>
-                      </a:solidFill>
-                      <a:prstDash val="solid"/>
-                      <a:round/>
-                      <a:headEnd type="none" w="med" len="med"/>
-                      <a:tailEnd type="none" w="med" len="med"/>
-                    </a:lnB>
-                  </a:tcPr>
-                </a:tc>
-              </a:tr>
-              <a:tr h="203200">
-                <a:tc>
-                  <a:txBody>
-                    <a:bodyPr/>
-                    <a:lstStyle/>
-                    <a:p>
-                      <a:pPr algn="l" fontAlgn="b"/>
-                      <a:endParaRPr lang="en-US" sz="1200" b="0" i="0" u="none" strike="noStrike" dirty="0">
-                        <a:solidFill>
-                          <a:srgbClr val="FF0000"/>
-                        </a:solidFill>
-                        <a:effectLst/>
-                        <a:latin typeface="Calibri" charset="0"/>
-                      </a:endParaRPr>
-                    </a:p>
-                  </a:txBody>
-                  <a:tcPr marL="12700" marR="12700" marT="12700" marB="0" anchor="b">
-                    <a:lnL w="12700" cap="flat" cmpd="sng" algn="ctr">
-                      <a:solidFill>
-                        <a:schemeClr val="tx1"/>
-                      </a:solidFill>
-                      <a:prstDash val="solid"/>
-                      <a:round/>
-                      <a:headEnd type="none" w="med" len="med"/>
-                      <a:tailEnd type="none" w="med" len="med"/>
-                    </a:lnL>
-                    <a:lnR w="12700" cap="flat" cmpd="sng" algn="ctr">
-                      <a:solidFill>
-                        <a:schemeClr val="tx1"/>
-                      </a:solidFill>
-                      <a:prstDash val="solid"/>
-                      <a:round/>
-                      <a:headEnd type="none" w="med" len="med"/>
-                      <a:tailEnd type="none" w="med" len="med"/>
-                    </a:lnR>
-                    <a:lnT w="12700" cap="flat" cmpd="sng" algn="ctr">
-                      <a:solidFill>
-                        <a:schemeClr val="tx1"/>
-                      </a:solidFill>
-                      <a:prstDash val="solid"/>
-                      <a:round/>
-                      <a:headEnd type="none" w="med" len="med"/>
-                      <a:tailEnd type="none" w="med" len="med"/>
-                    </a:lnT>
-                    <a:lnB w="12700" cap="flat" cmpd="sng" algn="ctr">
-                      <a:solidFill>
-                        <a:schemeClr val="tx1"/>
-                      </a:solidFill>
-                      <a:prstDash val="solid"/>
-                      <a:round/>
-                      <a:headEnd type="none" w="med" len="med"/>
-                      <a:tailEnd type="none" w="med" len="med"/>
-                    </a:lnB>
-                  </a:tcPr>
-                </a:tc>
-                <a:tc>
-                  <a:txBody>
-                    <a:bodyPr/>
-                    <a:lstStyle/>
-                    <a:p>
-                      <a:pPr algn="l" fontAlgn="b"/>
-                      <a:endParaRPr lang="en-US" sz="1200" b="0" i="0" u="none" strike="noStrike" dirty="0">
-                        <a:solidFill>
-                          <a:srgbClr val="FF0000"/>
-                        </a:solidFill>
-                        <a:effectLst/>
-                        <a:latin typeface="Calibri" charset="0"/>
-                      </a:endParaRPr>
-                    </a:p>
-                  </a:txBody>
-                  <a:tcPr marL="12700" marR="12700" marT="12700" marB="0" anchor="b">
-                    <a:lnL w="12700" cap="flat" cmpd="sng" algn="ctr">
-                      <a:solidFill>
-                        <a:schemeClr val="tx1"/>
-                      </a:solidFill>
-                      <a:prstDash val="solid"/>
-                      <a:round/>
-                      <a:headEnd type="none" w="med" len="med"/>
-                      <a:tailEnd type="none" w="med" len="med"/>
-                    </a:lnL>
-                    <a:lnR w="12700" cap="flat" cmpd="sng" algn="ctr">
-                      <a:solidFill>
-                        <a:schemeClr val="tx1"/>
-                      </a:solidFill>
-                      <a:prstDash val="solid"/>
-                      <a:round/>
-                      <a:headEnd type="none" w="med" len="med"/>
-                      <a:tailEnd type="none" w="med" len="med"/>
-                    </a:lnR>
-                    <a:lnT w="12700" cap="flat" cmpd="sng" algn="ctr">
-                      <a:solidFill>
-                        <a:schemeClr val="tx1"/>
-                      </a:solidFill>
-                      <a:prstDash val="solid"/>
-                      <a:round/>
-                      <a:headEnd type="none" w="med" len="med"/>
-                      <a:tailEnd type="none" w="med" len="med"/>
-                    </a:lnT>
-                    <a:lnB w="12700" cap="flat" cmpd="sng" algn="ctr">
-                      <a:solidFill>
-                        <a:schemeClr val="tx1"/>
-                      </a:solidFill>
-                      <a:prstDash val="solid"/>
-                      <a:round/>
-                      <a:headEnd type="none" w="med" len="med"/>
-                      <a:tailEnd type="none" w="med" len="med"/>
-                    </a:lnB>
-                  </a:tcPr>
-                </a:tc>
-                <a:tc>
-                  <a:txBody>
-                    <a:bodyPr/>
-                    <a:lstStyle/>
-                    <a:p>
-                      <a:pPr algn="l" fontAlgn="b"/>
-                      <a:endParaRPr lang="en-US" sz="1200" b="0" i="0" u="none" strike="noStrike" dirty="0">
-                        <a:solidFill>
-                          <a:srgbClr val="FF0000"/>
-                        </a:solidFill>
-                        <a:effectLst/>
-                        <a:latin typeface="Calibri" charset="0"/>
-                      </a:endParaRPr>
-                    </a:p>
-                  </a:txBody>
-                  <a:tcPr marL="12700" marR="12700" marT="12700" marB="0" anchor="b">
-                    <a:lnL w="12700" cap="flat" cmpd="sng" algn="ctr">
-                      <a:solidFill>
-                        <a:schemeClr val="tx1"/>
-                      </a:solidFill>
-                      <a:prstDash val="solid"/>
-                      <a:round/>
-                      <a:headEnd type="none" w="med" len="med"/>
-                      <a:tailEnd type="none" w="med" len="med"/>
-                    </a:lnL>
-                    <a:lnR w="12700" cap="flat" cmpd="sng" algn="ctr">
-                      <a:solidFill>
-                        <a:schemeClr val="tx1"/>
-                      </a:solidFill>
-                      <a:prstDash val="solid"/>
-                      <a:round/>
-                      <a:headEnd type="none" w="med" len="med"/>
-                      <a:tailEnd type="none" w="med" len="med"/>
-                    </a:lnR>
-                    <a:lnT w="12700" cap="flat" cmpd="sng" algn="ctr">
-                      <a:solidFill>
-                        <a:schemeClr val="tx1"/>
-                      </a:solidFill>
-                      <a:prstDash val="solid"/>
-                      <a:round/>
-                      <a:headEnd type="none" w="med" len="med"/>
-                      <a:tailEnd type="none" w="med" len="med"/>
-                    </a:lnT>
-                    <a:lnB w="12700" cap="flat" cmpd="sng" algn="ctr">
-                      <a:solidFill>
-                        <a:schemeClr val="tx1"/>
-                      </a:solidFill>
-                      <a:prstDash val="solid"/>
-                      <a:round/>
-                      <a:headEnd type="none" w="med" len="med"/>
-                      <a:tailEnd type="none" w="med" len="med"/>
-                    </a:lnB>
-                  </a:tcPr>
-                </a:tc>
-              </a:tr>
-              <a:tr h="203200">
-                <a:tc>
-                  <a:txBody>
-                    <a:bodyPr/>
-                    <a:lstStyle/>
-                    <a:p>
-                      <a:pPr algn="l" fontAlgn="b"/>
-                      <a:endParaRPr lang="en-US" sz="1200" b="0" i="0" u="none" strike="noStrike" dirty="0">
-                        <a:solidFill>
-                          <a:srgbClr val="FF0000"/>
-                        </a:solidFill>
-                        <a:effectLst/>
-                        <a:latin typeface="Calibri" charset="0"/>
-                      </a:endParaRPr>
-                    </a:p>
-                  </a:txBody>
-                  <a:tcPr marL="12700" marR="12700" marT="12700" marB="0" anchor="b">
-                    <a:lnL w="12700" cap="flat" cmpd="sng" algn="ctr">
-                      <a:solidFill>
-                        <a:schemeClr val="tx1"/>
-                      </a:solidFill>
-                      <a:prstDash val="solid"/>
-                      <a:round/>
-                      <a:headEnd type="none" w="med" len="med"/>
-                      <a:tailEnd type="none" w="med" len="med"/>
-                    </a:lnL>
-                    <a:lnR w="12700" cap="flat" cmpd="sng" algn="ctr">
-                      <a:solidFill>
-                        <a:schemeClr val="tx1"/>
-                      </a:solidFill>
-                      <a:prstDash val="solid"/>
-                      <a:round/>
-                      <a:headEnd type="none" w="med" len="med"/>
-                      <a:tailEnd type="none" w="med" len="med"/>
-                    </a:lnR>
-                    <a:lnT w="12700" cap="flat" cmpd="sng" algn="ctr">
-                      <a:solidFill>
-                        <a:schemeClr val="tx1"/>
-                      </a:solidFill>
-                      <a:prstDash val="solid"/>
-                      <a:round/>
-                      <a:headEnd type="none" w="med" len="med"/>
-                      <a:tailEnd type="none" w="med" len="med"/>
-                    </a:lnT>
-                    <a:lnB w="12700" cap="flat" cmpd="sng" algn="ctr">
-                      <a:solidFill>
-                        <a:schemeClr val="tx1"/>
-                      </a:solidFill>
-                      <a:prstDash val="solid"/>
-                      <a:round/>
-                      <a:headEnd type="none" w="med" len="med"/>
-                      <a:tailEnd type="none" w="med" len="med"/>
-                    </a:lnB>
-                  </a:tcPr>
-                </a:tc>
-                <a:tc>
-                  <a:txBody>
-                    <a:bodyPr/>
-                    <a:lstStyle/>
-                    <a:p>
-                      <a:pPr algn="l" fontAlgn="b"/>
-                      <a:endParaRPr lang="en-US" sz="1200" b="0" i="0" u="none" strike="noStrike" dirty="0">
-                        <a:solidFill>
-                          <a:srgbClr val="FF0000"/>
-                        </a:solidFill>
-                        <a:effectLst/>
-                        <a:latin typeface="Calibri" charset="0"/>
-                      </a:endParaRPr>
-                    </a:p>
-                  </a:txBody>
-                  <a:tcPr marL="12700" marR="12700" marT="12700" marB="0" anchor="b">
-                    <a:lnL w="12700" cap="flat" cmpd="sng" algn="ctr">
-                      <a:solidFill>
-                        <a:schemeClr val="tx1"/>
-                      </a:solidFill>
-                      <a:prstDash val="solid"/>
-                      <a:round/>
-                      <a:headEnd type="none" w="med" len="med"/>
-                      <a:tailEnd type="none" w="med" len="med"/>
-                    </a:lnL>
-                    <a:lnR w="12700" cap="flat" cmpd="sng" algn="ctr">
-                      <a:solidFill>
-                        <a:schemeClr val="tx1"/>
-                      </a:solidFill>
-                      <a:prstDash val="solid"/>
-                      <a:round/>
-                      <a:headEnd type="none" w="med" len="med"/>
-                      <a:tailEnd type="none" w="med" len="med"/>
-                    </a:lnR>
-                    <a:lnT w="12700" cap="flat" cmpd="sng" algn="ctr">
-                      <a:solidFill>
-                        <a:schemeClr val="tx1"/>
-                      </a:solidFill>
-                      <a:prstDash val="solid"/>
-                      <a:round/>
-                      <a:headEnd type="none" w="med" len="med"/>
-                      <a:tailEnd type="none" w="med" len="med"/>
-                    </a:lnT>
-                    <a:lnB w="12700" cap="flat" cmpd="sng" algn="ctr">
-                      <a:solidFill>
-                        <a:schemeClr val="tx1"/>
-                      </a:solidFill>
-                      <a:prstDash val="solid"/>
-                      <a:round/>
-                      <a:headEnd type="none" w="med" len="med"/>
-                      <a:tailEnd type="none" w="med" len="med"/>
-                    </a:lnB>
-                  </a:tcPr>
-                </a:tc>
-                <a:tc>
-                  <a:txBody>
-                    <a:bodyPr/>
-                    <a:lstStyle/>
-                    <a:p>
-                      <a:pPr algn="l" fontAlgn="b"/>
-                      <a:endParaRPr lang="en-US" sz="1200" b="0" i="0" u="none" strike="noStrike" dirty="0">
-                        <a:solidFill>
-                          <a:srgbClr val="FF0000"/>
-                        </a:solidFill>
-                        <a:effectLst/>
-                        <a:latin typeface="Calibri" charset="0"/>
-                      </a:endParaRPr>
-                    </a:p>
-                  </a:txBody>
-                  <a:tcPr marL="12700" marR="12700" marT="12700" marB="0" anchor="b">
-                    <a:lnL w="12700" cap="flat" cmpd="sng" algn="ctr">
-                      <a:solidFill>
-                        <a:schemeClr val="tx1"/>
-                      </a:solidFill>
-                      <a:prstDash val="solid"/>
-                      <a:round/>
-                      <a:headEnd type="none" w="med" len="med"/>
-                      <a:tailEnd type="none" w="med" len="med"/>
-                    </a:lnL>
-                    <a:lnR w="12700" cap="flat" cmpd="sng" algn="ctr">
-                      <a:solidFill>
-                        <a:schemeClr val="tx1"/>
-                      </a:solidFill>
-                      <a:prstDash val="solid"/>
-                      <a:round/>
-                      <a:headEnd type="none" w="med" len="med"/>
-                      <a:tailEnd type="none" w="med" len="med"/>
-                    </a:lnR>
-                    <a:lnT w="12700" cap="flat" cmpd="sng" algn="ctr">
-                      <a:solidFill>
-                        <a:schemeClr val="tx1"/>
-                      </a:solidFill>
-                      <a:prstDash val="solid"/>
-                      <a:round/>
-                      <a:headEnd type="none" w="med" len="med"/>
-                      <a:tailEnd type="none" w="med" len="med"/>
-                    </a:lnT>
-                    <a:lnB w="12700" cap="flat" cmpd="sng" algn="ctr">
-                      <a:solidFill>
-                        <a:schemeClr val="tx1"/>
-                      </a:solidFill>
-                      <a:prstDash val="solid"/>
-                      <a:round/>
-                      <a:headEnd type="none" w="med" len="med"/>
-                      <a:tailEnd type="none" w="med" len="med"/>
-                    </a:lnB>
-                  </a:tcPr>
-                </a:tc>
-              </a:tr>
-              <a:tr h="203200">
-                <a:tc>
-                  <a:txBody>
-                    <a:bodyPr/>
-                    <a:lstStyle/>
-                    <a:p>
-                      <a:pPr algn="l" fontAlgn="b"/>
-                      <a:endParaRPr lang="en-US" sz="1200" b="0" i="0" u="none" strike="noStrike" dirty="0">
-                        <a:solidFill>
-                          <a:srgbClr val="FF0000"/>
-                        </a:solidFill>
-                        <a:effectLst/>
-                        <a:latin typeface="Calibri" charset="0"/>
-                      </a:endParaRPr>
-                    </a:p>
-                  </a:txBody>
-                  <a:tcPr marL="12700" marR="12700" marT="12700" marB="0" anchor="b">
-                    <a:lnL w="12700" cap="flat" cmpd="sng" algn="ctr">
-                      <a:solidFill>
-                        <a:schemeClr val="tx1"/>
-                      </a:solidFill>
-                      <a:prstDash val="solid"/>
-                      <a:round/>
-                      <a:headEnd type="none" w="med" len="med"/>
-                      <a:tailEnd type="none" w="med" len="med"/>
-                    </a:lnL>
-                    <a:lnR w="12700" cap="flat" cmpd="sng" algn="ctr">
-                      <a:solidFill>
-                        <a:schemeClr val="tx1"/>
-                      </a:solidFill>
-                      <a:prstDash val="solid"/>
-                      <a:round/>
-                      <a:headEnd type="none" w="med" len="med"/>
-                      <a:tailEnd type="none" w="med" len="med"/>
-                    </a:lnR>
-                    <a:lnT w="12700" cap="flat" cmpd="sng" algn="ctr">
-                      <a:solidFill>
-                        <a:schemeClr val="tx1"/>
-                      </a:solidFill>
-                      <a:prstDash val="solid"/>
-                      <a:round/>
-                      <a:headEnd type="none" w="med" len="med"/>
-                      <a:tailEnd type="none" w="med" len="med"/>
-                    </a:lnT>
-                    <a:lnB w="12700" cap="flat" cmpd="sng" algn="ctr">
-                      <a:solidFill>
-                        <a:schemeClr val="tx1"/>
-                      </a:solidFill>
-                      <a:prstDash val="solid"/>
-                      <a:round/>
-                      <a:headEnd type="none" w="med" len="med"/>
-                      <a:tailEnd type="none" w="med" len="med"/>
-                    </a:lnB>
-                  </a:tcPr>
-                </a:tc>
-                <a:tc>
-                  <a:txBody>
-                    <a:bodyPr/>
-                    <a:lstStyle/>
-                    <a:p>
-                      <a:pPr algn="l" fontAlgn="b"/>
-                      <a:endParaRPr lang="en-US" sz="1200" b="0" i="0" u="none" strike="noStrike" dirty="0">
-                        <a:solidFill>
-                          <a:srgbClr val="FF0000"/>
-                        </a:solidFill>
-                        <a:effectLst/>
-                        <a:latin typeface="Calibri" charset="0"/>
-                      </a:endParaRPr>
-                    </a:p>
-                  </a:txBody>
-                  <a:tcPr marL="12700" marR="12700" marT="12700" marB="0" anchor="b">
-                    <a:lnL w="12700" cap="flat" cmpd="sng" algn="ctr">
-                      <a:solidFill>
-                        <a:schemeClr val="tx1"/>
-                      </a:solidFill>
-                      <a:prstDash val="solid"/>
-                      <a:round/>
-                      <a:headEnd type="none" w="med" len="med"/>
-                      <a:tailEnd type="none" w="med" len="med"/>
-                    </a:lnL>
-                    <a:lnR w="12700" cap="flat" cmpd="sng" algn="ctr">
-                      <a:solidFill>
-                        <a:schemeClr val="tx1"/>
-                      </a:solidFill>
-                      <a:prstDash val="solid"/>
-                      <a:round/>
-                      <a:headEnd type="none" w="med" len="med"/>
-                      <a:tailEnd type="none" w="med" len="med"/>
-                    </a:lnR>
-                    <a:lnT w="12700" cap="flat" cmpd="sng" algn="ctr">
-                      <a:solidFill>
-                        <a:schemeClr val="tx1"/>
-                      </a:solidFill>
-                      <a:prstDash val="solid"/>
-                      <a:round/>
-                      <a:headEnd type="none" w="med" len="med"/>
-                      <a:tailEnd type="none" w="med" len="med"/>
-                    </a:lnT>
-                    <a:lnB w="12700" cap="flat" cmpd="sng" algn="ctr">
-                      <a:solidFill>
-                        <a:schemeClr val="tx1"/>
-                      </a:solidFill>
-                      <a:prstDash val="solid"/>
-                      <a:round/>
-                      <a:headEnd type="none" w="med" len="med"/>
-                      <a:tailEnd type="none" w="med" len="med"/>
-                    </a:lnB>
-                  </a:tcPr>
-                </a:tc>
-                <a:tc>
-                  <a:txBody>
-                    <a:bodyPr/>
-                    <a:lstStyle/>
-                    <a:p>
-                      <a:pPr algn="l" fontAlgn="b"/>
-                      <a:endParaRPr lang="en-US" sz="1200" b="0" i="0" u="none" strike="noStrike" dirty="0">
-                        <a:solidFill>
-                          <a:srgbClr val="FF0000"/>
-                        </a:solidFill>
-                        <a:effectLst/>
-                        <a:latin typeface="Calibri" charset="0"/>
-                      </a:endParaRPr>
-                    </a:p>
-                  </a:txBody>
-                  <a:tcPr marL="12700" marR="12700" marT="12700" marB="0" anchor="b">
-                    <a:lnL w="12700" cap="flat" cmpd="sng" algn="ctr">
-                      <a:solidFill>
-                        <a:schemeClr val="tx1"/>
-                      </a:solidFill>
-                      <a:prstDash val="solid"/>
-                      <a:round/>
-                      <a:headEnd type="none" w="med" len="med"/>
-                      <a:tailEnd type="none" w="med" len="med"/>
-                    </a:lnL>
-                    <a:lnR w="12700" cap="flat" cmpd="sng" algn="ctr">
-                      <a:solidFill>
-                        <a:schemeClr val="tx1"/>
-                      </a:solidFill>
-                      <a:prstDash val="solid"/>
-                      <a:round/>
-                      <a:headEnd type="none" w="med" len="med"/>
-                      <a:tailEnd type="none" w="med" len="med"/>
-                    </a:lnR>
-                    <a:lnT w="12700" cap="flat" cmpd="sng" algn="ctr">
-                      <a:solidFill>
-                        <a:schemeClr val="tx1"/>
-                      </a:solidFill>
-                      <a:prstDash val="solid"/>
-                      <a:round/>
-                      <a:headEnd type="none" w="med" len="med"/>
-                      <a:tailEnd type="none" w="med" len="med"/>
-                    </a:lnT>
-                    <a:lnB w="12700" cap="flat" cmpd="sng" algn="ctr">
-                      <a:solidFill>
-                        <a:schemeClr val="tx1"/>
-                      </a:solidFill>
-                      <a:prstDash val="solid"/>
-                      <a:round/>
-                      <a:headEnd type="none" w="med" len="med"/>
-                      <a:tailEnd type="none" w="med" len="med"/>
-                    </a:lnB>
-                  </a:tcPr>
-                </a:tc>
-              </a:tr>
-              <a:tr h="203200">
-                <a:tc>
-                  <a:txBody>
-                    <a:bodyPr/>
-                    <a:lstStyle/>
-                    <a:p>
-                      <a:pPr algn="l" fontAlgn="b"/>
-                      <a:endParaRPr lang="en-US" sz="1200" b="0" i="0" u="none" strike="noStrike" dirty="0">
-                        <a:solidFill>
-                          <a:srgbClr val="FF0000"/>
-                        </a:solidFill>
-                        <a:effectLst/>
-                        <a:latin typeface="Calibri" charset="0"/>
-                      </a:endParaRPr>
-                    </a:p>
-                  </a:txBody>
-                  <a:tcPr marL="12700" marR="12700" marT="12700" marB="0" anchor="b">
-                    <a:lnL w="12700" cap="flat" cmpd="sng" algn="ctr">
-                      <a:solidFill>
-                        <a:schemeClr val="tx1"/>
-                      </a:solidFill>
-                      <a:prstDash val="solid"/>
-                      <a:round/>
-                      <a:headEnd type="none" w="med" len="med"/>
-                      <a:tailEnd type="none" w="med" len="med"/>
-                    </a:lnL>
-                    <a:lnR w="12700" cap="flat" cmpd="sng" algn="ctr">
-                      <a:solidFill>
-                        <a:schemeClr val="tx1"/>
-                      </a:solidFill>
-                      <a:prstDash val="solid"/>
-                      <a:round/>
-                      <a:headEnd type="none" w="med" len="med"/>
-                      <a:tailEnd type="none" w="med" len="med"/>
-                    </a:lnR>
-                    <a:lnT w="12700" cap="flat" cmpd="sng" algn="ctr">
-                      <a:solidFill>
-                        <a:schemeClr val="tx1"/>
-                      </a:solidFill>
-                      <a:prstDash val="solid"/>
-                      <a:round/>
-                      <a:headEnd type="none" w="med" len="med"/>
-                      <a:tailEnd type="none" w="med" len="med"/>
-                    </a:lnT>
-                    <a:lnB w="12700" cap="flat" cmpd="sng" algn="ctr">
-                      <a:solidFill>
-                        <a:schemeClr val="tx1"/>
-                      </a:solidFill>
-                      <a:prstDash val="solid"/>
-                      <a:round/>
-                      <a:headEnd type="none" w="med" len="med"/>
-                      <a:tailEnd type="none" w="med" len="med"/>
-                    </a:lnB>
-                  </a:tcPr>
-                </a:tc>
-                <a:tc>
-                  <a:txBody>
-                    <a:bodyPr/>
-                    <a:lstStyle/>
-                    <a:p>
-                      <a:pPr algn="l" fontAlgn="b"/>
-                      <a:endParaRPr lang="en-US" sz="1200" b="0" i="0" u="none" strike="noStrike" dirty="0">
-                        <a:solidFill>
-                          <a:srgbClr val="FF0000"/>
-                        </a:solidFill>
-                        <a:effectLst/>
-                        <a:latin typeface="Calibri" charset="0"/>
-                      </a:endParaRPr>
-                    </a:p>
-                  </a:txBody>
-                  <a:tcPr marL="12700" marR="12700" marT="12700" marB="0" anchor="b">
-                    <a:lnL w="12700" cap="flat" cmpd="sng" algn="ctr">
-                      <a:solidFill>
-                        <a:schemeClr val="tx1"/>
-                      </a:solidFill>
-                      <a:prstDash val="solid"/>
-                      <a:round/>
-                      <a:headEnd type="none" w="med" len="med"/>
-                      <a:tailEnd type="none" w="med" len="med"/>
-                    </a:lnL>
-                    <a:lnR w="12700" cap="flat" cmpd="sng" algn="ctr">
-                      <a:solidFill>
-                        <a:schemeClr val="tx1"/>
-                      </a:solidFill>
-                      <a:prstDash val="solid"/>
-                      <a:round/>
-                      <a:headEnd type="none" w="med" len="med"/>
-                      <a:tailEnd type="none" w="med" len="med"/>
-                    </a:lnR>
-                    <a:lnT w="12700" cap="flat" cmpd="sng" algn="ctr">
-                      <a:solidFill>
-                        <a:schemeClr val="tx1"/>
-                      </a:solidFill>
-                      <a:prstDash val="solid"/>
-                      <a:round/>
-                      <a:headEnd type="none" w="med" len="med"/>
-                      <a:tailEnd type="none" w="med" len="med"/>
-                    </a:lnT>
-                    <a:lnB w="12700" cap="flat" cmpd="sng" algn="ctr">
-                      <a:solidFill>
-                        <a:schemeClr val="tx1"/>
-                      </a:solidFill>
-                      <a:prstDash val="solid"/>
-                      <a:round/>
-                      <a:headEnd type="none" w="med" len="med"/>
-                      <a:tailEnd type="none" w="med" len="med"/>
-                    </a:lnB>
-                  </a:tcPr>
-                </a:tc>
-                <a:tc>
-                  <a:txBody>
-                    <a:bodyPr/>
-                    <a:lstStyle/>
-                    <a:p>
-                      <a:pPr algn="l" fontAlgn="b"/>
-                      <a:endParaRPr lang="en-US" sz="1200" b="0" i="0" u="none" strike="noStrike" dirty="0">
-                        <a:solidFill>
-                          <a:srgbClr val="FF0000"/>
-                        </a:solidFill>
-                        <a:effectLst/>
-                        <a:latin typeface="Calibri" charset="0"/>
-                      </a:endParaRPr>
-                    </a:p>
-                  </a:txBody>
-                  <a:tcPr marL="12700" marR="12700" marT="12700" marB="0" anchor="b">
-                    <a:lnL w="12700" cap="flat" cmpd="sng" algn="ctr">
-                      <a:solidFill>
-                        <a:schemeClr val="tx1"/>
-                      </a:solidFill>
-                      <a:prstDash val="solid"/>
-                      <a:round/>
-                      <a:headEnd type="none" w="med" len="med"/>
-                      <a:tailEnd type="none" w="med" len="med"/>
-                    </a:lnL>
-                    <a:lnR w="12700" cap="flat" cmpd="sng" algn="ctr">
-                      <a:solidFill>
-                        <a:schemeClr val="tx1"/>
-                      </a:solidFill>
-                      <a:prstDash val="solid"/>
-                      <a:round/>
-                      <a:headEnd type="none" w="med" len="med"/>
-                      <a:tailEnd type="none" w="med" len="med"/>
-                    </a:lnR>
-                    <a:lnT w="12700" cap="flat" cmpd="sng" algn="ctr">
-                      <a:solidFill>
-                        <a:schemeClr val="tx1"/>
-                      </a:solidFill>
-                      <a:prstDash val="solid"/>
-                      <a:round/>
-                      <a:headEnd type="none" w="med" len="med"/>
-                      <a:tailEnd type="none" w="med" len="med"/>
-                    </a:lnT>
-                    <a:lnB w="12700" cap="flat" cmpd="sng" algn="ctr">
-                      <a:solidFill>
-                        <a:schemeClr val="tx1"/>
-                      </a:solidFill>
-                      <a:prstDash val="solid"/>
-                      <a:round/>
-                      <a:headEnd type="none" w="med" len="med"/>
-                      <a:tailEnd type="none" w="med" len="med"/>
-                    </a:lnB>
-                  </a:tcPr>
-                </a:tc>
-              </a:tr>
-              <a:tr h="203200">
-                <a:tc>
-                  <a:txBody>
-                    <a:bodyPr/>
-                    <a:lstStyle/>
-                    <a:p>
-                      <a:pPr algn="l" fontAlgn="b"/>
-                      <a:endParaRPr lang="en-US" sz="1200" b="0" i="0" u="none" strike="noStrike" dirty="0">
-                        <a:solidFill>
-                          <a:srgbClr val="FF0000"/>
-                        </a:solidFill>
-                        <a:effectLst/>
-                        <a:latin typeface="Calibri" charset="0"/>
-                      </a:endParaRPr>
-                    </a:p>
-                  </a:txBody>
-                  <a:tcPr marL="12700" marR="12700" marT="12700" marB="0" anchor="b">
-                    <a:lnL w="12700" cap="flat" cmpd="sng" algn="ctr">
-                      <a:solidFill>
-                        <a:schemeClr val="tx1"/>
-                      </a:solidFill>
-                      <a:prstDash val="solid"/>
-                      <a:round/>
-                      <a:headEnd type="none" w="med" len="med"/>
-                      <a:tailEnd type="none" w="med" len="med"/>
-                    </a:lnL>
-                    <a:lnR w="12700" cap="flat" cmpd="sng" algn="ctr">
-                      <a:solidFill>
-                        <a:schemeClr val="tx1"/>
-                      </a:solidFill>
-                      <a:prstDash val="solid"/>
-                      <a:round/>
-                      <a:headEnd type="none" w="med" len="med"/>
-                      <a:tailEnd type="none" w="med" len="med"/>
-                    </a:lnR>
-                    <a:lnT w="12700" cap="flat" cmpd="sng" algn="ctr">
-                      <a:solidFill>
-                        <a:schemeClr val="tx1"/>
-                      </a:solidFill>
-                      <a:prstDash val="solid"/>
-                      <a:round/>
-                      <a:headEnd type="none" w="med" len="med"/>
-                      <a:tailEnd type="none" w="med" len="med"/>
-                    </a:lnT>
-                    <a:lnB w="12700" cap="flat" cmpd="sng" algn="ctr">
-                      <a:solidFill>
-                        <a:schemeClr val="tx1"/>
-                      </a:solidFill>
-                      <a:prstDash val="solid"/>
-                      <a:round/>
-                      <a:headEnd type="none" w="med" len="med"/>
-                      <a:tailEnd type="none" w="med" len="med"/>
-                    </a:lnB>
-                  </a:tcPr>
-                </a:tc>
-                <a:tc>
-                  <a:txBody>
-                    <a:bodyPr/>
-                    <a:lstStyle/>
-                    <a:p>
-                      <a:pPr algn="l" fontAlgn="b"/>
-                      <a:endParaRPr lang="en-US" sz="1200" b="0" i="0" u="none" strike="noStrike" dirty="0">
-                        <a:solidFill>
-                          <a:srgbClr val="FF0000"/>
-                        </a:solidFill>
-                        <a:effectLst/>
-                        <a:latin typeface="Calibri" charset="0"/>
-                      </a:endParaRPr>
-                    </a:p>
-                  </a:txBody>
-                  <a:tcPr marL="12700" marR="12700" marT="12700" marB="0" anchor="b">
-                    <a:lnL w="12700" cap="flat" cmpd="sng" algn="ctr">
-                      <a:solidFill>
-                        <a:schemeClr val="tx1"/>
-                      </a:solidFill>
-                      <a:prstDash val="solid"/>
-                      <a:round/>
-                      <a:headEnd type="none" w="med" len="med"/>
-                      <a:tailEnd type="none" w="med" len="med"/>
-                    </a:lnL>
-                    <a:lnR w="12700" cap="flat" cmpd="sng" algn="ctr">
-                      <a:solidFill>
-                        <a:schemeClr val="tx1"/>
-                      </a:solidFill>
-                      <a:prstDash val="solid"/>
-                      <a:round/>
-                      <a:headEnd type="none" w="med" len="med"/>
-                      <a:tailEnd type="none" w="med" len="med"/>
-                    </a:lnR>
-                    <a:lnT w="12700" cap="flat" cmpd="sng" algn="ctr">
-                      <a:solidFill>
-                        <a:schemeClr val="tx1"/>
-                      </a:solidFill>
-                      <a:prstDash val="solid"/>
-                      <a:round/>
-                      <a:headEnd type="none" w="med" len="med"/>
-                      <a:tailEnd type="none" w="med" len="med"/>
-                    </a:lnT>
-                    <a:lnB w="12700" cap="flat" cmpd="sng" algn="ctr">
-                      <a:solidFill>
-                        <a:schemeClr val="tx1"/>
-                      </a:solidFill>
-                      <a:prstDash val="solid"/>
-                      <a:round/>
-                      <a:headEnd type="none" w="med" len="med"/>
-                      <a:tailEnd type="none" w="med" len="med"/>
-                    </a:lnB>
-                  </a:tcPr>
-                </a:tc>
-                <a:tc>
-                  <a:txBody>
-                    <a:bodyPr/>
-                    <a:lstStyle/>
-                    <a:p>
-                      <a:pPr algn="l" fontAlgn="b"/>
-                      <a:endParaRPr lang="en-US" sz="1200" b="0" i="0" u="none" strike="noStrike" dirty="0">
-                        <a:solidFill>
-                          <a:srgbClr val="FF0000"/>
-                        </a:solidFill>
-                        <a:effectLst/>
-                        <a:latin typeface="Calibri" charset="0"/>
-                      </a:endParaRPr>
-                    </a:p>
-                  </a:txBody>
-                  <a:tcPr marL="12700" marR="12700" marT="12700" marB="0" anchor="b">
-                    <a:lnL w="12700" cap="flat" cmpd="sng" algn="ctr">
-                      <a:solidFill>
-                        <a:schemeClr val="tx1"/>
-                      </a:solidFill>
-                      <a:prstDash val="solid"/>
-                      <a:round/>
-                      <a:headEnd type="none" w="med" len="med"/>
-                      <a:tailEnd type="none" w="med" len="med"/>
-                    </a:lnL>
-                    <a:lnR w="12700" cap="flat" cmpd="sng" algn="ctr">
-                      <a:solidFill>
-                        <a:schemeClr val="tx1"/>
-                      </a:solidFill>
-                      <a:prstDash val="solid"/>
-                      <a:round/>
-                      <a:headEnd type="none" w="med" len="med"/>
-                      <a:tailEnd type="none" w="med" len="med"/>
-                    </a:lnR>
-                    <a:lnT w="12700" cap="flat" cmpd="sng" algn="ctr">
-                      <a:solidFill>
-                        <a:schemeClr val="tx1"/>
-                      </a:solidFill>
-                      <a:prstDash val="solid"/>
-                      <a:round/>
-                      <a:headEnd type="none" w="med" len="med"/>
-                      <a:tailEnd type="none" w="med" len="med"/>
-                    </a:lnT>
-                    <a:lnB w="12700" cap="flat" cmpd="sng" algn="ctr">
-                      <a:solidFill>
-                        <a:schemeClr val="tx1"/>
-                      </a:solidFill>
-                      <a:prstDash val="solid"/>
-                      <a:round/>
-                      <a:headEnd type="none" w="med" len="med"/>
-                      <a:tailEnd type="none" w="med" len="med"/>
-                    </a:lnB>
-                  </a:tcPr>
-                </a:tc>
-              </a:tr>
-              <a:tr h="203200">
-                <a:tc>
-                  <a:txBody>
-                    <a:bodyPr/>
-                    <a:lstStyle/>
-                    <a:p>
-                      <a:pPr algn="l" fontAlgn="b"/>
-                      <a:endParaRPr lang="en-US" sz="1200" b="0" i="0" u="none" strike="noStrike" dirty="0">
-                        <a:solidFill>
-                          <a:srgbClr val="FF0000"/>
-                        </a:solidFill>
-                        <a:effectLst/>
-                        <a:latin typeface="Calibri" charset="0"/>
-                      </a:endParaRPr>
-                    </a:p>
-                  </a:txBody>
-                  <a:tcPr marL="12700" marR="12700" marT="12700" marB="0" anchor="b">
-                    <a:lnL w="12700" cap="flat" cmpd="sng" algn="ctr">
-                      <a:solidFill>
-                        <a:schemeClr val="tx1"/>
-                      </a:solidFill>
-                      <a:prstDash val="solid"/>
-                      <a:round/>
-                      <a:headEnd type="none" w="med" len="med"/>
-                      <a:tailEnd type="none" w="med" len="med"/>
-                    </a:lnL>
-                    <a:lnR w="12700" cap="flat" cmpd="sng" algn="ctr">
-                      <a:solidFill>
-                        <a:schemeClr val="tx1"/>
-                      </a:solidFill>
-                      <a:prstDash val="solid"/>
-                      <a:round/>
-                      <a:headEnd type="none" w="med" len="med"/>
-                      <a:tailEnd type="none" w="med" len="med"/>
-                    </a:lnR>
-                    <a:lnT w="12700" cap="flat" cmpd="sng" algn="ctr">
-                      <a:solidFill>
-                        <a:schemeClr val="tx1"/>
-                      </a:solidFill>
-                      <a:prstDash val="solid"/>
-                      <a:round/>
-                      <a:headEnd type="none" w="med" len="med"/>
-                      <a:tailEnd type="none" w="med" len="med"/>
-                    </a:lnT>
-                    <a:lnB w="12700" cap="flat" cmpd="sng" algn="ctr">
-                      <a:solidFill>
-                        <a:schemeClr val="tx1"/>
-                      </a:solidFill>
-                      <a:prstDash val="solid"/>
-                      <a:round/>
-                      <a:headEnd type="none" w="med" len="med"/>
-                      <a:tailEnd type="none" w="med" len="med"/>
-                    </a:lnB>
-                  </a:tcPr>
-                </a:tc>
-                <a:tc>
-                  <a:txBody>
-                    <a:bodyPr/>
-                    <a:lstStyle/>
-                    <a:p>
-                      <a:pPr algn="l" fontAlgn="b"/>
-                      <a:endParaRPr lang="en-US" sz="1200" b="0" i="0" u="none" strike="noStrike" dirty="0">
-                        <a:solidFill>
-                          <a:srgbClr val="FF0000"/>
-                        </a:solidFill>
-                        <a:effectLst/>
-                        <a:latin typeface="Calibri" charset="0"/>
-                      </a:endParaRPr>
-                    </a:p>
-                  </a:txBody>
-                  <a:tcPr marL="12700" marR="12700" marT="12700" marB="0" anchor="b">
-                    <a:lnL w="12700" cap="flat" cmpd="sng" algn="ctr">
-                      <a:solidFill>
-                        <a:schemeClr val="tx1"/>
-                      </a:solidFill>
-                      <a:prstDash val="solid"/>
-                      <a:round/>
-                      <a:headEnd type="none" w="med" len="med"/>
-                      <a:tailEnd type="none" w="med" len="med"/>
-                    </a:lnL>
-                    <a:lnR w="12700" cap="flat" cmpd="sng" algn="ctr">
-                      <a:solidFill>
-                        <a:schemeClr val="tx1"/>
-                      </a:solidFill>
-                      <a:prstDash val="solid"/>
-                      <a:round/>
-                      <a:headEnd type="none" w="med" len="med"/>
-                      <a:tailEnd type="none" w="med" len="med"/>
-                    </a:lnR>
-                    <a:lnT w="12700" cap="flat" cmpd="sng" algn="ctr">
-                      <a:solidFill>
-                        <a:schemeClr val="tx1"/>
-                      </a:solidFill>
-                      <a:prstDash val="solid"/>
-                      <a:round/>
-                      <a:headEnd type="none" w="med" len="med"/>
-                      <a:tailEnd type="none" w="med" len="med"/>
-                    </a:lnT>
-                    <a:lnB w="12700" cap="flat" cmpd="sng" algn="ctr">
-                      <a:solidFill>
-                        <a:schemeClr val="tx1"/>
-                      </a:solidFill>
-                      <a:prstDash val="solid"/>
-                      <a:round/>
-                      <a:headEnd type="none" w="med" len="med"/>
-                      <a:tailEnd type="none" w="med" len="med"/>
-                    </a:lnB>
-                  </a:tcPr>
-                </a:tc>
-                <a:tc>
-                  <a:txBody>
-                    <a:bodyPr/>
-                    <a:lstStyle/>
-                    <a:p>
-                      <a:pPr algn="l" fontAlgn="b"/>
-                      <a:endParaRPr lang="en-US" sz="1200" b="0" i="0" u="none" strike="noStrike" dirty="0">
-                        <a:solidFill>
-                          <a:srgbClr val="FF0000"/>
-                        </a:solidFill>
-                        <a:effectLst/>
-                        <a:latin typeface="Calibri" charset="0"/>
+                        <a:latin typeface="+mn-lt"/>
                       </a:endParaRPr>
                     </a:p>
                   </a:txBody>
@@ -6346,23 +5662,24 @@
           <p:nvPr>
             <p:extLst>
               <p:ext uri="{D42A27DB-BD31-4B8C-83A1-F6EECF244321}">
-                <p14:modId xmlns:p14="http://schemas.microsoft.com/office/powerpoint/2010/main" val="704355572"/>
+                <p14:modId xmlns:p14="http://schemas.microsoft.com/office/powerpoint/2010/main" val="1723558452"/>
               </p:ext>
             </p:extLst>
           </p:nvPr>
         </p:nvGraphicFramePr>
         <p:xfrm>
-          <a:off x="4991082" y="1766118"/>
-          <a:ext cx="1948014" cy="3012440"/>
+          <a:off x="4622402" y="1766118"/>
+          <a:ext cx="2351044" cy="4288103"/>
         </p:xfrm>
         <a:graphic>
           <a:graphicData uri="http://schemas.openxmlformats.org/drawingml/2006/table">
             <a:tbl>
               <a:tblPr/>
               <a:tblGrid>
-                <a:gridCol w="1948014"/>
+                <a:gridCol w="1094761"/>
+                <a:gridCol w="1256283"/>
               </a:tblGrid>
-              <a:tr h="203200">
+              <a:tr h="376534">
                 <a:tc>
                   <a:txBody>
                     <a:bodyPr/>
@@ -6375,16 +5692,16 @@
                             <a:schemeClr val="tx1"/>
                           </a:solidFill>
                           <a:effectLst/>
-                          <a:latin typeface="Calibri" charset="0"/>
-                        </a:rPr>
-                        <a:t>Synonyms</a:t>
+                          <a:latin typeface="+mn-lt"/>
+                        </a:rPr>
+                        <a:t>Phenotypic Term</a:t>
                       </a:r>
                       <a:endParaRPr lang="en-US" sz="1200" b="1" i="0" u="none" strike="noStrike" dirty="0">
                         <a:solidFill>
                           <a:schemeClr val="tx1"/>
                         </a:solidFill>
                         <a:effectLst/>
-                        <a:latin typeface="Calibri" charset="0"/>
+                        <a:latin typeface="+mn-lt"/>
                       </a:endParaRPr>
                     </a:p>
                   </a:txBody>
@@ -6427,8 +5744,6 @@
                     </a:lnB>
                   </a:tcPr>
                 </a:tc>
-              </a:tr>
-              <a:tr h="203200">
                 <a:tc>
                   <a:txBody>
                     <a:bodyPr/>
@@ -6436,31 +5751,519 @@
                     <a:p>
                       <a:pPr algn="l" fontAlgn="b"/>
                       <a:r>
-                        <a:rPr lang="en-US" sz="1200" b="0" i="0" u="none" strike="noStrike" dirty="0" smtClean="0">
+                        <a:rPr lang="en-US" sz="1200" b="1" i="0" u="none" strike="noStrike" dirty="0" smtClean="0">
+                          <a:solidFill>
+                            <a:schemeClr val="tx1"/>
+                          </a:solidFill>
+                          <a:effectLst/>
+                          <a:latin typeface="+mn-lt"/>
+                        </a:rPr>
+                        <a:t>Most Relevant Synonyms</a:t>
+                      </a:r>
+                      <a:endParaRPr lang="en-US" sz="1200" b="1" i="0" u="none" strike="noStrike" dirty="0">
+                        <a:solidFill>
+                          <a:schemeClr val="tx1"/>
+                        </a:solidFill>
+                        <a:effectLst/>
+                        <a:latin typeface="+mn-lt"/>
+                      </a:endParaRPr>
+                    </a:p>
+                  </a:txBody>
+                  <a:tcPr marL="12700" marR="12700" marT="12700" marB="0" anchor="b">
+                    <a:lnL w="12700" cap="flat" cmpd="sng" algn="ctr">
+                      <a:solidFill>
+                        <a:schemeClr val="tx1"/>
+                      </a:solidFill>
+                      <a:prstDash val="solid"/>
+                      <a:round/>
+                      <a:headEnd type="none" w="med" len="med"/>
+                      <a:tailEnd type="none" w="med" len="med"/>
+                    </a:lnL>
+                    <a:lnR w="12700" cap="flat" cmpd="sng" algn="ctr">
+                      <a:solidFill>
+                        <a:schemeClr val="tx1"/>
+                      </a:solidFill>
+                      <a:prstDash val="solid"/>
+                      <a:round/>
+                      <a:headEnd type="none" w="med" len="med"/>
+                      <a:tailEnd type="none" w="med" len="med"/>
+                    </a:lnR>
+                    <a:lnT w="12700" cap="flat" cmpd="sng" algn="ctr">
+                      <a:solidFill>
+                        <a:schemeClr val="tx1"/>
+                      </a:solidFill>
+                      <a:prstDash val="solid"/>
+                      <a:round/>
+                      <a:headEnd type="none" w="med" len="med"/>
+                      <a:tailEnd type="none" w="med" len="med"/>
+                    </a:lnT>
+                    <a:lnB w="12700" cap="flat" cmpd="sng" algn="ctr">
+                      <a:solidFill>
+                        <a:schemeClr val="tx1"/>
+                      </a:solidFill>
+                      <a:prstDash val="solid"/>
+                      <a:round/>
+                      <a:headEnd type="none" w="med" len="med"/>
+                      <a:tailEnd type="none" w="med" len="med"/>
+                    </a:lnB>
+                  </a:tcPr>
+                </a:tc>
+              </a:tr>
+              <a:tr h="1468231">
+                <a:tc>
+                  <a:txBody>
+                    <a:bodyPr/>
+                    <a:lstStyle/>
+                    <a:p>
+                      <a:r>
+                        <a:rPr lang="en-US" sz="1200" kern="1200" dirty="0" smtClean="0">
                           <a:solidFill>
                             <a:srgbClr val="0070C0"/>
                           </a:solidFill>
-                          <a:effectLst/>
-                          <a:latin typeface="Calibri" charset="0"/>
-                        </a:rPr>
-                        <a:t>Arthritis, joint, &lt;put</a:t>
-                      </a:r>
-                      <a:r>
-                        <a:rPr lang="en-US" sz="1200" b="0" i="0" u="none" strike="noStrike" baseline="0" dirty="0" smtClean="0">
+                          <a:latin typeface="+mn-lt"/>
+                          <a:ea typeface="+mn-ea"/>
+                          <a:cs typeface="+mn-cs"/>
+                        </a:rPr>
+                        <a:t>hypertension: </a:t>
+                      </a:r>
+                      <a:endParaRPr lang="en-US" sz="1200" kern="1200" dirty="0" smtClean="0">
+                        <a:solidFill>
+                          <a:srgbClr val="0070C0"/>
+                        </a:solidFill>
+                        <a:latin typeface="+mn-lt"/>
+                        <a:ea typeface="+mn-ea"/>
+                        <a:cs typeface="+mn-cs"/>
+                      </a:endParaRPr>
+                    </a:p>
+                  </a:txBody>
+                  <a:tcPr marL="12700" marR="12700" marT="12700" marB="0" anchor="b">
+                    <a:lnL w="12700" cap="flat" cmpd="sng" algn="ctr">
+                      <a:solidFill>
+                        <a:schemeClr val="tx1"/>
+                      </a:solidFill>
+                      <a:prstDash val="solid"/>
+                      <a:round/>
+                      <a:headEnd type="none" w="med" len="med"/>
+                      <a:tailEnd type="none" w="med" len="med"/>
+                    </a:lnL>
+                    <a:lnR w="12700" cap="flat" cmpd="sng" algn="ctr">
+                      <a:solidFill>
+                        <a:schemeClr val="tx1"/>
+                      </a:solidFill>
+                      <a:prstDash val="solid"/>
+                      <a:round/>
+                      <a:headEnd type="none" w="med" len="med"/>
+                      <a:tailEnd type="none" w="med" len="med"/>
+                    </a:lnR>
+                    <a:lnT w="12700" cap="flat" cmpd="sng" algn="ctr">
+                      <a:solidFill>
+                        <a:schemeClr val="tx1"/>
+                      </a:solidFill>
+                      <a:prstDash val="solid"/>
+                      <a:round/>
+                      <a:headEnd type="none" w="med" len="med"/>
+                      <a:tailEnd type="none" w="med" len="med"/>
+                    </a:lnT>
+                    <a:lnB w="12700" cap="flat" cmpd="sng" algn="ctr">
+                      <a:solidFill>
+                        <a:schemeClr val="tx1"/>
+                      </a:solidFill>
+                      <a:prstDash val="solid"/>
+                      <a:round/>
+                      <a:headEnd type="none" w="med" len="med"/>
+                      <a:tailEnd type="none" w="med" len="med"/>
+                    </a:lnB>
+                  </a:tcPr>
+                </a:tc>
+                <a:tc>
+                  <a:txBody>
+                    <a:bodyPr/>
+                    <a:lstStyle/>
+                    <a:p>
+                      <a:r>
+                        <a:rPr lang="en-US" sz="1200" kern="1200" dirty="0" smtClean="0">
+                          <a:solidFill>
+                            <a:schemeClr val="tx1"/>
+                          </a:solidFill>
+                          <a:latin typeface="+mn-lt"/>
+                          <a:ea typeface="+mn-ea"/>
+                          <a:cs typeface="+mn-cs"/>
+                        </a:rPr>
+                        <a:t>'regarding hypertension', 'hypertensive disorder systemic' ''ischemia due hypertension', etc.</a:t>
+                      </a:r>
+                    </a:p>
+                  </a:txBody>
+                  <a:tcPr marL="12700" marR="12700" marT="12700" marB="0" anchor="b">
+                    <a:lnL w="12700" cap="flat" cmpd="sng" algn="ctr">
+                      <a:solidFill>
+                        <a:schemeClr val="tx1"/>
+                      </a:solidFill>
+                      <a:prstDash val="solid"/>
+                      <a:round/>
+                      <a:headEnd type="none" w="med" len="med"/>
+                      <a:tailEnd type="none" w="med" len="med"/>
+                    </a:lnL>
+                    <a:lnR w="12700" cap="flat" cmpd="sng" algn="ctr">
+                      <a:solidFill>
+                        <a:schemeClr val="tx1"/>
+                      </a:solidFill>
+                      <a:prstDash val="solid"/>
+                      <a:round/>
+                      <a:headEnd type="none" w="med" len="med"/>
+                      <a:tailEnd type="none" w="med" len="med"/>
+                    </a:lnR>
+                    <a:lnT w="12700" cap="flat" cmpd="sng" algn="ctr">
+                      <a:solidFill>
+                        <a:schemeClr val="tx1"/>
+                      </a:solidFill>
+                      <a:prstDash val="solid"/>
+                      <a:round/>
+                      <a:headEnd type="none" w="med" len="med"/>
+                      <a:tailEnd type="none" w="med" len="med"/>
+                    </a:lnT>
+                    <a:lnB w="12700" cap="flat" cmpd="sng" algn="ctr">
+                      <a:solidFill>
+                        <a:schemeClr val="tx1"/>
+                      </a:solidFill>
+                      <a:prstDash val="solid"/>
+                      <a:round/>
+                      <a:headEnd type="none" w="med" len="med"/>
+                      <a:tailEnd type="none" w="med" len="med"/>
+                    </a:lnB>
+                  </a:tcPr>
+                </a:tc>
+              </a:tr>
+              <a:tr h="1104332">
+                <a:tc>
+                  <a:txBody>
+                    <a:bodyPr/>
+                    <a:lstStyle/>
+                    <a:p>
+                      <a:r>
+                        <a:rPr lang="en-US" sz="1200" kern="1200" dirty="0" err="1" smtClean="0">
                           <a:solidFill>
                             <a:srgbClr val="0070C0"/>
                           </a:solidFill>
-                          <a:effectLst/>
-                          <a:latin typeface="Calibri" charset="0"/>
-                        </a:rPr>
-                        <a:t> in a bunch of synonyms here extracted</a:t>
+                          <a:latin typeface="+mn-lt"/>
+                          <a:ea typeface="+mn-ea"/>
+                          <a:cs typeface="+mn-cs"/>
+                        </a:rPr>
+                        <a:t>osteoperosis</a:t>
+                      </a:r>
+                      <a:r>
+                        <a:rPr lang="en-US" sz="1200" kern="1200" dirty="0" smtClean="0">
+                          <a:solidFill>
+                            <a:srgbClr val="0070C0"/>
+                          </a:solidFill>
+                          <a:latin typeface="+mn-lt"/>
+                          <a:ea typeface="+mn-ea"/>
+                          <a:cs typeface="+mn-cs"/>
+                        </a:rPr>
+                        <a:t>: </a:t>
+                      </a:r>
+                      <a:endParaRPr lang="en-US" sz="1200" kern="1200" dirty="0" smtClean="0">
+                        <a:solidFill>
+                          <a:srgbClr val="0070C0"/>
+                        </a:solidFill>
+                        <a:latin typeface="+mn-lt"/>
+                        <a:ea typeface="+mn-ea"/>
+                        <a:cs typeface="+mn-cs"/>
+                      </a:endParaRPr>
+                    </a:p>
+                  </a:txBody>
+                  <a:tcPr marL="12700" marR="12700" marT="12700" marB="0" anchor="b">
+                    <a:lnL w="12700" cap="flat" cmpd="sng" algn="ctr">
+                      <a:solidFill>
+                        <a:schemeClr val="tx1"/>
+                      </a:solidFill>
+                      <a:prstDash val="solid"/>
+                      <a:round/>
+                      <a:headEnd type="none" w="med" len="med"/>
+                      <a:tailEnd type="none" w="med" len="med"/>
+                    </a:lnL>
+                    <a:lnR w="12700" cap="flat" cmpd="sng" algn="ctr">
+                      <a:solidFill>
+                        <a:schemeClr val="tx1"/>
+                      </a:solidFill>
+                      <a:prstDash val="solid"/>
+                      <a:round/>
+                      <a:headEnd type="none" w="med" len="med"/>
+                      <a:tailEnd type="none" w="med" len="med"/>
+                    </a:lnR>
+                    <a:lnT w="12700" cap="flat" cmpd="sng" algn="ctr">
+                      <a:solidFill>
+                        <a:schemeClr val="tx1"/>
+                      </a:solidFill>
+                      <a:prstDash val="solid"/>
+                      <a:round/>
+                      <a:headEnd type="none" w="med" len="med"/>
+                      <a:tailEnd type="none" w="med" len="med"/>
+                    </a:lnT>
+                    <a:lnB w="12700" cap="flat" cmpd="sng" algn="ctr">
+                      <a:solidFill>
+                        <a:schemeClr val="tx1"/>
+                      </a:solidFill>
+                      <a:prstDash val="solid"/>
+                      <a:round/>
+                      <a:headEnd type="none" w="med" len="med"/>
+                      <a:tailEnd type="none" w="med" len="med"/>
+                    </a:lnB>
+                  </a:tcPr>
+                </a:tc>
+                <a:tc>
+                  <a:txBody>
+                    <a:bodyPr/>
+                    <a:lstStyle/>
+                    <a:p>
+                      <a:r>
+                        <a:rPr lang="en-US" sz="1200" kern="1200" dirty="0" smtClean="0">
+                          <a:solidFill>
+                            <a:schemeClr val="tx1"/>
+                          </a:solidFill>
+                          <a:latin typeface="+mn-lt"/>
+                          <a:ea typeface="+mn-ea"/>
+                          <a:cs typeface="+mn-cs"/>
+                        </a:rPr>
+                        <a:t>'osteoporosis postmenopausal', ''prevention osteoporosis', 'femur associated osteoporosis’,</a:t>
+                      </a:r>
+                      <a:r>
+                        <a:rPr lang="en-US" sz="1200" kern="1200" baseline="0" dirty="0" smtClean="0">
+                          <a:solidFill>
+                            <a:schemeClr val="tx1"/>
+                          </a:solidFill>
+                          <a:latin typeface="+mn-lt"/>
+                          <a:ea typeface="+mn-ea"/>
+                          <a:cs typeface="+mn-cs"/>
+                        </a:rPr>
+                        <a:t> </a:t>
+                      </a:r>
+                      <a:r>
+                        <a:rPr lang="en-US" sz="1200" kern="1200" baseline="0" dirty="0" err="1" smtClean="0">
+                          <a:solidFill>
+                            <a:schemeClr val="tx1"/>
+                          </a:solidFill>
+                          <a:latin typeface="+mn-lt"/>
+                          <a:ea typeface="+mn-ea"/>
+                          <a:cs typeface="+mn-cs"/>
+                        </a:rPr>
+                        <a:t>etc</a:t>
+                      </a:r>
+                      <a:endParaRPr lang="en-US" sz="1200" kern="1200" dirty="0" smtClean="0">
+                        <a:solidFill>
+                          <a:schemeClr val="tx1"/>
+                        </a:solidFill>
+                        <a:latin typeface="+mn-lt"/>
+                        <a:ea typeface="+mn-ea"/>
+                        <a:cs typeface="+mn-cs"/>
+                      </a:endParaRPr>
+                    </a:p>
+                  </a:txBody>
+                  <a:tcPr marL="12700" marR="12700" marT="12700" marB="0" anchor="b">
+                    <a:lnL w="12700" cap="flat" cmpd="sng" algn="ctr">
+                      <a:solidFill>
+                        <a:schemeClr val="tx1"/>
+                      </a:solidFill>
+                      <a:prstDash val="solid"/>
+                      <a:round/>
+                      <a:headEnd type="none" w="med" len="med"/>
+                      <a:tailEnd type="none" w="med" len="med"/>
+                    </a:lnL>
+                    <a:lnR w="12700" cap="flat" cmpd="sng" algn="ctr">
+                      <a:solidFill>
+                        <a:schemeClr val="tx1"/>
+                      </a:solidFill>
+                      <a:prstDash val="solid"/>
+                      <a:round/>
+                      <a:headEnd type="none" w="med" len="med"/>
+                      <a:tailEnd type="none" w="med" len="med"/>
+                    </a:lnR>
+                    <a:lnT w="12700" cap="flat" cmpd="sng" algn="ctr">
+                      <a:solidFill>
+                        <a:schemeClr val="tx1"/>
+                      </a:solidFill>
+                      <a:prstDash val="solid"/>
+                      <a:round/>
+                      <a:headEnd type="none" w="med" len="med"/>
+                      <a:tailEnd type="none" w="med" len="med"/>
+                    </a:lnT>
+                    <a:lnB w="12700" cap="flat" cmpd="sng" algn="ctr">
+                      <a:solidFill>
+                        <a:schemeClr val="tx1"/>
+                      </a:solidFill>
+                      <a:prstDash val="solid"/>
+                      <a:round/>
+                      <a:headEnd type="none" w="med" len="med"/>
+                      <a:tailEnd type="none" w="med" len="med"/>
+                    </a:lnB>
+                  </a:tcPr>
+                </a:tc>
+              </a:tr>
+              <a:tr h="202166">
+                <a:tc>
+                  <a:txBody>
+                    <a:bodyPr/>
+                    <a:lstStyle/>
+                    <a:p>
+                      <a:r>
+                        <a:rPr lang="en-US" sz="1200" kern="1200" dirty="0" smtClean="0">
+                          <a:solidFill>
+                            <a:schemeClr val="tx1"/>
+                          </a:solidFill>
+                          <a:latin typeface="+mn-lt"/>
+                          <a:ea typeface="+mn-ea"/>
+                          <a:cs typeface="+mn-cs"/>
+                        </a:rPr>
+                        <a:t>…</a:t>
+                      </a:r>
+                      <a:endParaRPr lang="en-US" sz="1200" kern="1200" dirty="0" smtClean="0">
+                        <a:solidFill>
+                          <a:schemeClr val="tx1"/>
+                        </a:solidFill>
+                        <a:latin typeface="+mn-lt"/>
+                        <a:ea typeface="+mn-ea"/>
+                        <a:cs typeface="+mn-cs"/>
+                      </a:endParaRPr>
+                    </a:p>
+                  </a:txBody>
+                  <a:tcPr marL="12700" marR="12700" marT="12700" marB="0" anchor="b">
+                    <a:lnL w="12700" cap="flat" cmpd="sng" algn="ctr">
+                      <a:solidFill>
+                        <a:schemeClr val="tx1"/>
+                      </a:solidFill>
+                      <a:prstDash val="solid"/>
+                      <a:round/>
+                      <a:headEnd type="none" w="med" len="med"/>
+                      <a:tailEnd type="none" w="med" len="med"/>
+                    </a:lnL>
+                    <a:lnR w="12700" cap="flat" cmpd="sng" algn="ctr">
+                      <a:solidFill>
+                        <a:schemeClr val="tx1"/>
+                      </a:solidFill>
+                      <a:prstDash val="solid"/>
+                      <a:round/>
+                      <a:headEnd type="none" w="med" len="med"/>
+                      <a:tailEnd type="none" w="med" len="med"/>
+                    </a:lnR>
+                    <a:lnT w="12700" cap="flat" cmpd="sng" algn="ctr">
+                      <a:solidFill>
+                        <a:schemeClr val="tx1"/>
+                      </a:solidFill>
+                      <a:prstDash val="solid"/>
+                      <a:round/>
+                      <a:headEnd type="none" w="med" len="med"/>
+                      <a:tailEnd type="none" w="med" len="med"/>
+                    </a:lnT>
+                    <a:lnB w="12700" cap="flat" cmpd="sng" algn="ctr">
+                      <a:solidFill>
+                        <a:schemeClr val="tx1"/>
+                      </a:solidFill>
+                      <a:prstDash val="solid"/>
+                      <a:round/>
+                      <a:headEnd type="none" w="med" len="med"/>
+                      <a:tailEnd type="none" w="med" len="med"/>
+                    </a:lnB>
+                  </a:tcPr>
+                </a:tc>
+                <a:tc>
+                  <a:txBody>
+                    <a:bodyPr/>
+                    <a:lstStyle/>
+                    <a:p>
+                      <a:r>
+                        <a:rPr lang="en-US" sz="1200" kern="1200" dirty="0" smtClean="0">
+                          <a:solidFill>
+                            <a:schemeClr val="tx1"/>
+                          </a:solidFill>
+                          <a:latin typeface="+mn-lt"/>
+                          <a:ea typeface="+mn-ea"/>
+                          <a:cs typeface="+mn-cs"/>
+                        </a:rPr>
+                        <a:t>…</a:t>
+                      </a:r>
+                      <a:endParaRPr lang="en-US" sz="1200" kern="1200" dirty="0" smtClean="0">
+                        <a:solidFill>
+                          <a:schemeClr val="tx1"/>
+                        </a:solidFill>
+                        <a:latin typeface="+mn-lt"/>
+                        <a:ea typeface="+mn-ea"/>
+                        <a:cs typeface="+mn-cs"/>
+                      </a:endParaRPr>
+                    </a:p>
+                  </a:txBody>
+                  <a:tcPr marL="12700" marR="12700" marT="12700" marB="0" anchor="b">
+                    <a:lnL w="12700" cap="flat" cmpd="sng" algn="ctr">
+                      <a:solidFill>
+                        <a:schemeClr val="tx1"/>
+                      </a:solidFill>
+                      <a:prstDash val="solid"/>
+                      <a:round/>
+                      <a:headEnd type="none" w="med" len="med"/>
+                      <a:tailEnd type="none" w="med" len="med"/>
+                    </a:lnL>
+                    <a:lnR w="12700" cap="flat" cmpd="sng" algn="ctr">
+                      <a:solidFill>
+                        <a:schemeClr val="tx1"/>
+                      </a:solidFill>
+                      <a:prstDash val="solid"/>
+                      <a:round/>
+                      <a:headEnd type="none" w="med" len="med"/>
+                      <a:tailEnd type="none" w="med" len="med"/>
+                    </a:lnR>
+                    <a:lnT w="12700" cap="flat" cmpd="sng" algn="ctr">
+                      <a:solidFill>
+                        <a:schemeClr val="tx1"/>
+                      </a:solidFill>
+                      <a:prstDash val="solid"/>
+                      <a:round/>
+                      <a:headEnd type="none" w="med" len="med"/>
+                      <a:tailEnd type="none" w="med" len="med"/>
+                    </a:lnT>
+                    <a:lnB w="12700" cap="flat" cmpd="sng" algn="ctr">
+                      <a:solidFill>
+                        <a:schemeClr val="tx1"/>
+                      </a:solidFill>
+                      <a:prstDash val="solid"/>
+                      <a:round/>
+                      <a:headEnd type="none" w="med" len="med"/>
+                      <a:tailEnd type="none" w="med" len="med"/>
+                    </a:lnB>
+                  </a:tcPr>
+                </a:tc>
+              </a:tr>
+              <a:tr h="922383">
+                <a:tc>
+                  <a:txBody>
+                    <a:bodyPr/>
+                    <a:lstStyle/>
+                    <a:p>
+                      <a:r>
+                        <a:rPr lang="en-US" sz="1200" kern="1200" dirty="0" smtClean="0">
+                          <a:solidFill>
+                            <a:srgbClr val="FF0000"/>
+                          </a:solidFill>
+                          <a:latin typeface="+mn-lt"/>
+                          <a:ea typeface="+mn-ea"/>
+                          <a:cs typeface="+mn-cs"/>
+                        </a:rPr>
+                        <a:t>miscellaneous analgesics</a:t>
+                      </a:r>
+                      <a:r>
+                        <a:rPr lang="en-US" sz="1200" kern="1200" dirty="0" smtClean="0">
+                          <a:solidFill>
+                            <a:schemeClr val="tx1"/>
+                          </a:solidFill>
+                          <a:latin typeface="+mn-lt"/>
+                          <a:ea typeface="+mn-ea"/>
+                          <a:cs typeface="+mn-cs"/>
+                        </a:rPr>
+                        <a:t>: </a:t>
                       </a:r>
                       <a:endParaRPr lang="en-US" sz="1200" b="0" i="0" u="none" strike="noStrike" dirty="0">
                         <a:solidFill>
                           <a:srgbClr val="0070C0"/>
                         </a:solidFill>
                         <a:effectLst/>
-                        <a:latin typeface="Calibri" charset="0"/>
+                        <a:latin typeface="+mn-lt"/>
                       </a:endParaRPr>
                     </a:p>
                   </a:txBody>
@@ -6503,40 +6306,39 @@
                     </a:lnB>
                   </a:tcPr>
                 </a:tc>
-              </a:tr>
-              <a:tr h="203200">
                 <a:tc>
                   <a:txBody>
                     <a:bodyPr/>
                     <a:lstStyle/>
                     <a:p>
-                      <a:pPr algn="l" fontAlgn="b"/>
-                      <a:r>
-                        <a:rPr lang="en-US" sz="1200" b="0" i="0" u="none" strike="noStrike" dirty="0" smtClean="0">
-                          <a:solidFill>
-                            <a:srgbClr val="0070C0"/>
-                          </a:solidFill>
-                          <a:effectLst/>
-                          <a:latin typeface="Calibri" charset="0"/>
-                        </a:rPr>
-                        <a:t>During the feature</a:t>
-                      </a:r>
-                      <a:r>
-                        <a:rPr lang="en-US" sz="1200" b="0" i="0" u="none" strike="noStrike" baseline="0" dirty="0" smtClean="0">
-                          <a:solidFill>
-                            <a:srgbClr val="0070C0"/>
-                          </a:solidFill>
-                          <a:effectLst/>
-                          <a:latin typeface="Calibri" charset="0"/>
-                        </a:rPr>
-                        <a:t> extraction</a:t>
+                      <a:r>
+                        <a:rPr lang="en-US" sz="1200" kern="1200" dirty="0" smtClean="0">
+                          <a:solidFill>
+                            <a:schemeClr val="tx1"/>
+                          </a:solidFill>
+                          <a:latin typeface="+mn-lt"/>
+                          <a:ea typeface="+mn-ea"/>
+                          <a:cs typeface="+mn-cs"/>
+                        </a:rPr>
+                        <a:t>'painful periods', ''abdominal pain finding', 'pain observable entity’, </a:t>
+                      </a:r>
+                      <a:r>
+                        <a:rPr lang="en-US" sz="1200" kern="1200" dirty="0" err="1" smtClean="0">
+                          <a:solidFill>
+                            <a:schemeClr val="tx1"/>
+                          </a:solidFill>
+                          <a:latin typeface="+mn-lt"/>
+                          <a:ea typeface="+mn-ea"/>
+                          <a:cs typeface="+mn-cs"/>
+                        </a:rPr>
+                        <a:t>etc</a:t>
                       </a:r>
                       <a:endParaRPr lang="en-US" sz="1200" b="0" i="0" u="none" strike="noStrike" dirty="0">
                         <a:solidFill>
                           <a:srgbClr val="0070C0"/>
                         </a:solidFill>
                         <a:effectLst/>
-                        <a:latin typeface="Calibri" charset="0"/>
+                        <a:latin typeface="+mn-lt"/>
                       </a:endParaRPr>
                     </a:p>
                   </a:txBody>
@@ -6580,39 +6382,28 @@
                   </a:tcPr>
                 </a:tc>
               </a:tr>
-              <a:tr h="203200">
+              <a:tr h="202166">
                 <a:tc>
                   <a:txBody>
                     <a:bodyPr/>
                     <a:lstStyle/>
                     <a:p>
-                      <a:pPr algn="l" fontAlgn="b"/>
                       <a:r>
                         <a:rPr lang="en-US" sz="1200" b="0" i="0" u="none" strike="noStrike" dirty="0" smtClean="0">
                           <a:solidFill>
                             <a:srgbClr val="0070C0"/>
                           </a:solidFill>
                           <a:effectLst/>
-                          <a:latin typeface="Calibri" charset="0"/>
-                        </a:rPr>
-                        <a:t>Process&gt;,</a:t>
-                      </a:r>
-                      <a:r>
-                        <a:rPr lang="en-US" sz="1200" b="0" i="0" u="none" strike="noStrike" baseline="0" dirty="0" smtClean="0">
-                          <a:solidFill>
-                            <a:srgbClr val="0070C0"/>
-                          </a:solidFill>
-                          <a:effectLst/>
-                          <a:latin typeface="Calibri" charset="0"/>
-                        </a:rPr>
-                        <a:t> …</a:t>
+                          <a:latin typeface="+mn-lt"/>
+                        </a:rPr>
+                        <a:t>…</a:t>
                       </a:r>
                       <a:endParaRPr lang="en-US" sz="1200" b="0" i="0" u="none" strike="noStrike" dirty="0">
                         <a:solidFill>
                           <a:srgbClr val="0070C0"/>
                         </a:solidFill>
                         <a:effectLst/>
-                        <a:latin typeface="Calibri" charset="0"/>
+                        <a:latin typeface="+mn-lt"/>
                       </a:endParaRPr>
                     </a:p>
                   </a:txBody>
@@ -6655,524 +6446,27 @@
                     </a:lnB>
                   </a:tcPr>
                 </a:tc>
-              </a:tr>
-              <a:tr h="203200">
                 <a:tc>
                   <a:txBody>
                     <a:bodyPr/>
                     <a:lstStyle/>
                     <a:p>
-                      <a:pPr algn="l" fontAlgn="b"/>
+                      <a:r>
+                        <a:rPr lang="en-US" sz="1200" b="0" i="0" u="none" strike="noStrike" dirty="0" smtClean="0">
+                          <a:solidFill>
+                            <a:srgbClr val="0070C0"/>
+                          </a:solidFill>
+                          <a:effectLst/>
+                          <a:latin typeface="+mn-lt"/>
+                        </a:rPr>
+                        <a:t>…</a:t>
+                      </a:r>
                       <a:endParaRPr lang="en-US" sz="1200" b="0" i="0" u="none" strike="noStrike" dirty="0">
                         <a:solidFill>
                           <a:srgbClr val="0070C0"/>
                         </a:solidFill>
                         <a:effectLst/>
-                        <a:latin typeface="Calibri" charset="0"/>
-                      </a:endParaRPr>
-                    </a:p>
-                  </a:txBody>
-                  <a:tcPr marL="12700" marR="12700" marT="12700" marB="0" anchor="b">
-                    <a:lnL w="12700" cap="flat" cmpd="sng" algn="ctr">
-                      <a:solidFill>
-                        <a:schemeClr val="tx1"/>
-                      </a:solidFill>
-                      <a:prstDash val="solid"/>
-                      <a:round/>
-                      <a:headEnd type="none" w="med" len="med"/>
-                      <a:tailEnd type="none" w="med" len="med"/>
-                    </a:lnL>
-                    <a:lnR w="12700" cap="flat" cmpd="sng" algn="ctr">
-                      <a:solidFill>
-                        <a:schemeClr val="tx1"/>
-                      </a:solidFill>
-                      <a:prstDash val="solid"/>
-                      <a:round/>
-                      <a:headEnd type="none" w="med" len="med"/>
-                      <a:tailEnd type="none" w="med" len="med"/>
-                    </a:lnR>
-                    <a:lnT w="12700" cap="flat" cmpd="sng" algn="ctr">
-                      <a:solidFill>
-                        <a:schemeClr val="tx1"/>
-                      </a:solidFill>
-                      <a:prstDash val="solid"/>
-                      <a:round/>
-                      <a:headEnd type="none" w="med" len="med"/>
-                      <a:tailEnd type="none" w="med" len="med"/>
-                    </a:lnT>
-                    <a:lnB w="12700" cap="flat" cmpd="sng" algn="ctr">
-                      <a:solidFill>
-                        <a:schemeClr val="tx1"/>
-                      </a:solidFill>
-                      <a:prstDash val="solid"/>
-                      <a:round/>
-                      <a:headEnd type="none" w="med" len="med"/>
-                      <a:tailEnd type="none" w="med" len="med"/>
-                    </a:lnB>
-                  </a:tcPr>
-                </a:tc>
-              </a:tr>
-              <a:tr h="144049">
-                <a:tc>
-                  <a:txBody>
-                    <a:bodyPr/>
-                    <a:lstStyle/>
-                    <a:p>
-                      <a:pPr algn="l" fontAlgn="b"/>
-                      <a:endParaRPr lang="en-US" sz="1200" b="0" i="0" u="none" strike="noStrike" dirty="0">
-                        <a:solidFill>
-                          <a:srgbClr val="0070C0"/>
-                        </a:solidFill>
-                        <a:effectLst/>
-                        <a:latin typeface="Calibri" charset="0"/>
-                      </a:endParaRPr>
-                    </a:p>
-                  </a:txBody>
-                  <a:tcPr marL="12700" marR="12700" marT="12700" marB="0" anchor="b">
-                    <a:lnL w="12700" cap="flat" cmpd="sng" algn="ctr">
-                      <a:solidFill>
-                        <a:schemeClr val="tx1"/>
-                      </a:solidFill>
-                      <a:prstDash val="solid"/>
-                      <a:round/>
-                      <a:headEnd type="none" w="med" len="med"/>
-                      <a:tailEnd type="none" w="med" len="med"/>
-                    </a:lnL>
-                    <a:lnR w="12700" cap="flat" cmpd="sng" algn="ctr">
-                      <a:solidFill>
-                        <a:schemeClr val="tx1"/>
-                      </a:solidFill>
-                      <a:prstDash val="solid"/>
-                      <a:round/>
-                      <a:headEnd type="none" w="med" len="med"/>
-                      <a:tailEnd type="none" w="med" len="med"/>
-                    </a:lnR>
-                    <a:lnT w="12700" cap="flat" cmpd="sng" algn="ctr">
-                      <a:solidFill>
-                        <a:schemeClr val="tx1"/>
-                      </a:solidFill>
-                      <a:prstDash val="solid"/>
-                      <a:round/>
-                      <a:headEnd type="none" w="med" len="med"/>
-                      <a:tailEnd type="none" w="med" len="med"/>
-                    </a:lnT>
-                    <a:lnB w="12700" cap="flat" cmpd="sng" algn="ctr">
-                      <a:solidFill>
-                        <a:schemeClr val="tx1"/>
-                      </a:solidFill>
-                      <a:prstDash val="solid"/>
-                      <a:round/>
-                      <a:headEnd type="none" w="med" len="med"/>
-                      <a:tailEnd type="none" w="med" len="med"/>
-                    </a:lnB>
-                  </a:tcPr>
-                </a:tc>
-              </a:tr>
-              <a:tr h="203200">
-                <a:tc>
-                  <a:txBody>
-                    <a:bodyPr/>
-                    <a:lstStyle/>
-                    <a:p>
-                      <a:pPr algn="l" fontAlgn="b"/>
-                      <a:endParaRPr lang="en-US" sz="1200" b="0" i="0" u="none" strike="noStrike" dirty="0">
-                        <a:solidFill>
-                          <a:srgbClr val="0070C0"/>
-                        </a:solidFill>
-                        <a:effectLst/>
-                        <a:latin typeface="Calibri" charset="0"/>
-                      </a:endParaRPr>
-                    </a:p>
-                  </a:txBody>
-                  <a:tcPr marL="12700" marR="12700" marT="12700" marB="0" anchor="b">
-                    <a:lnL w="12700" cap="flat" cmpd="sng" algn="ctr">
-                      <a:solidFill>
-                        <a:schemeClr val="tx1"/>
-                      </a:solidFill>
-                      <a:prstDash val="solid"/>
-                      <a:round/>
-                      <a:headEnd type="none" w="med" len="med"/>
-                      <a:tailEnd type="none" w="med" len="med"/>
-                    </a:lnL>
-                    <a:lnR w="12700" cap="flat" cmpd="sng" algn="ctr">
-                      <a:solidFill>
-                        <a:schemeClr val="tx1"/>
-                      </a:solidFill>
-                      <a:prstDash val="solid"/>
-                      <a:round/>
-                      <a:headEnd type="none" w="med" len="med"/>
-                      <a:tailEnd type="none" w="med" len="med"/>
-                    </a:lnR>
-                    <a:lnT w="12700" cap="flat" cmpd="sng" algn="ctr">
-                      <a:solidFill>
-                        <a:schemeClr val="tx1"/>
-                      </a:solidFill>
-                      <a:prstDash val="solid"/>
-                      <a:round/>
-                      <a:headEnd type="none" w="med" len="med"/>
-                      <a:tailEnd type="none" w="med" len="med"/>
-                    </a:lnT>
-                    <a:lnB w="12700" cap="flat" cmpd="sng" algn="ctr">
-                      <a:solidFill>
-                        <a:schemeClr val="tx1"/>
-                      </a:solidFill>
-                      <a:prstDash val="solid"/>
-                      <a:round/>
-                      <a:headEnd type="none" w="med" len="med"/>
-                      <a:tailEnd type="none" w="med" len="med"/>
-                    </a:lnB>
-                  </a:tcPr>
-                </a:tc>
-              </a:tr>
-              <a:tr h="203200">
-                <a:tc>
-                  <a:txBody>
-                    <a:bodyPr/>
-                    <a:lstStyle/>
-                    <a:p>
-                      <a:pPr algn="l" fontAlgn="b"/>
-                      <a:endParaRPr lang="en-US" sz="1200" b="0" i="0" u="none" strike="noStrike" dirty="0">
-                        <a:solidFill>
-                          <a:srgbClr val="FF0000"/>
-                        </a:solidFill>
-                        <a:effectLst/>
-                        <a:latin typeface="Calibri" charset="0"/>
-                      </a:endParaRPr>
-                    </a:p>
-                  </a:txBody>
-                  <a:tcPr marL="12700" marR="12700" marT="12700" marB="0" anchor="b">
-                    <a:lnL w="12700" cap="flat" cmpd="sng" algn="ctr">
-                      <a:solidFill>
-                        <a:schemeClr val="tx1"/>
-                      </a:solidFill>
-                      <a:prstDash val="solid"/>
-                      <a:round/>
-                      <a:headEnd type="none" w="med" len="med"/>
-                      <a:tailEnd type="none" w="med" len="med"/>
-                    </a:lnL>
-                    <a:lnR w="12700" cap="flat" cmpd="sng" algn="ctr">
-                      <a:solidFill>
-                        <a:schemeClr val="tx1"/>
-                      </a:solidFill>
-                      <a:prstDash val="solid"/>
-                      <a:round/>
-                      <a:headEnd type="none" w="med" len="med"/>
-                      <a:tailEnd type="none" w="med" len="med"/>
-                    </a:lnR>
-                    <a:lnT w="12700" cap="flat" cmpd="sng" algn="ctr">
-                      <a:solidFill>
-                        <a:schemeClr val="tx1"/>
-                      </a:solidFill>
-                      <a:prstDash val="solid"/>
-                      <a:round/>
-                      <a:headEnd type="none" w="med" len="med"/>
-                      <a:tailEnd type="none" w="med" len="med"/>
-                    </a:lnT>
-                    <a:lnB w="12700" cap="flat" cmpd="sng" algn="ctr">
-                      <a:solidFill>
-                        <a:schemeClr val="tx1"/>
-                      </a:solidFill>
-                      <a:prstDash val="solid"/>
-                      <a:round/>
-                      <a:headEnd type="none" w="med" len="med"/>
-                      <a:tailEnd type="none" w="med" len="med"/>
-                    </a:lnB>
-                  </a:tcPr>
-                </a:tc>
-              </a:tr>
-              <a:tr h="203200">
-                <a:tc>
-                  <a:txBody>
-                    <a:bodyPr/>
-                    <a:lstStyle/>
-                    <a:p>
-                      <a:pPr algn="l" fontAlgn="b"/>
-                      <a:endParaRPr lang="en-US" sz="1200" b="0" i="0" u="none" strike="noStrike" dirty="0">
-                        <a:solidFill>
-                          <a:srgbClr val="FF0000"/>
-                        </a:solidFill>
-                        <a:effectLst/>
-                        <a:latin typeface="Calibri" charset="0"/>
-                      </a:endParaRPr>
-                    </a:p>
-                  </a:txBody>
-                  <a:tcPr marL="12700" marR="12700" marT="12700" marB="0" anchor="b">
-                    <a:lnL w="12700" cap="flat" cmpd="sng" algn="ctr">
-                      <a:solidFill>
-                        <a:schemeClr val="tx1"/>
-                      </a:solidFill>
-                      <a:prstDash val="solid"/>
-                      <a:round/>
-                      <a:headEnd type="none" w="med" len="med"/>
-                      <a:tailEnd type="none" w="med" len="med"/>
-                    </a:lnL>
-                    <a:lnR w="12700" cap="flat" cmpd="sng" algn="ctr">
-                      <a:solidFill>
-                        <a:schemeClr val="tx1"/>
-                      </a:solidFill>
-                      <a:prstDash val="solid"/>
-                      <a:round/>
-                      <a:headEnd type="none" w="med" len="med"/>
-                      <a:tailEnd type="none" w="med" len="med"/>
-                    </a:lnR>
-                    <a:lnT w="12700" cap="flat" cmpd="sng" algn="ctr">
-                      <a:solidFill>
-                        <a:schemeClr val="tx1"/>
-                      </a:solidFill>
-                      <a:prstDash val="solid"/>
-                      <a:round/>
-                      <a:headEnd type="none" w="med" len="med"/>
-                      <a:tailEnd type="none" w="med" len="med"/>
-                    </a:lnT>
-                    <a:lnB w="12700" cap="flat" cmpd="sng" algn="ctr">
-                      <a:solidFill>
-                        <a:schemeClr val="tx1"/>
-                      </a:solidFill>
-                      <a:prstDash val="solid"/>
-                      <a:round/>
-                      <a:headEnd type="none" w="med" len="med"/>
-                      <a:tailEnd type="none" w="med" len="med"/>
-                    </a:lnB>
-                  </a:tcPr>
-                </a:tc>
-              </a:tr>
-              <a:tr h="203200">
-                <a:tc>
-                  <a:txBody>
-                    <a:bodyPr/>
-                    <a:lstStyle/>
-                    <a:p>
-                      <a:pPr algn="l" fontAlgn="b"/>
-                      <a:endParaRPr lang="en-US" sz="1200" b="0" i="0" u="none" strike="noStrike">
-                        <a:solidFill>
-                          <a:srgbClr val="FF0000"/>
-                        </a:solidFill>
-                        <a:effectLst/>
-                        <a:latin typeface="Calibri" charset="0"/>
-                      </a:endParaRPr>
-                    </a:p>
-                  </a:txBody>
-                  <a:tcPr marL="12700" marR="12700" marT="12700" marB="0" anchor="b">
-                    <a:lnL w="12700" cap="flat" cmpd="sng" algn="ctr">
-                      <a:solidFill>
-                        <a:schemeClr val="tx1"/>
-                      </a:solidFill>
-                      <a:prstDash val="solid"/>
-                      <a:round/>
-                      <a:headEnd type="none" w="med" len="med"/>
-                      <a:tailEnd type="none" w="med" len="med"/>
-                    </a:lnL>
-                    <a:lnR w="12700" cap="flat" cmpd="sng" algn="ctr">
-                      <a:solidFill>
-                        <a:schemeClr val="tx1"/>
-                      </a:solidFill>
-                      <a:prstDash val="solid"/>
-                      <a:round/>
-                      <a:headEnd type="none" w="med" len="med"/>
-                      <a:tailEnd type="none" w="med" len="med"/>
-                    </a:lnR>
-                    <a:lnT w="12700" cap="flat" cmpd="sng" algn="ctr">
-                      <a:solidFill>
-                        <a:schemeClr val="tx1"/>
-                      </a:solidFill>
-                      <a:prstDash val="solid"/>
-                      <a:round/>
-                      <a:headEnd type="none" w="med" len="med"/>
-                      <a:tailEnd type="none" w="med" len="med"/>
-                    </a:lnT>
-                    <a:lnB w="12700" cap="flat" cmpd="sng" algn="ctr">
-                      <a:solidFill>
-                        <a:schemeClr val="tx1"/>
-                      </a:solidFill>
-                      <a:prstDash val="solid"/>
-                      <a:round/>
-                      <a:headEnd type="none" w="med" len="med"/>
-                      <a:tailEnd type="none" w="med" len="med"/>
-                    </a:lnB>
-                  </a:tcPr>
-                </a:tc>
-              </a:tr>
-              <a:tr h="203200">
-                <a:tc>
-                  <a:txBody>
-                    <a:bodyPr/>
-                    <a:lstStyle/>
-                    <a:p>
-                      <a:pPr algn="l" fontAlgn="b"/>
-                      <a:endParaRPr lang="en-US" sz="1200" b="0" i="0" u="none" strike="noStrike">
-                        <a:solidFill>
-                          <a:srgbClr val="FF0000"/>
-                        </a:solidFill>
-                        <a:effectLst/>
-                        <a:latin typeface="Calibri" charset="0"/>
-                      </a:endParaRPr>
-                    </a:p>
-                  </a:txBody>
-                  <a:tcPr marL="12700" marR="12700" marT="12700" marB="0" anchor="b">
-                    <a:lnL w="12700" cap="flat" cmpd="sng" algn="ctr">
-                      <a:solidFill>
-                        <a:schemeClr val="tx1"/>
-                      </a:solidFill>
-                      <a:prstDash val="solid"/>
-                      <a:round/>
-                      <a:headEnd type="none" w="med" len="med"/>
-                      <a:tailEnd type="none" w="med" len="med"/>
-                    </a:lnL>
-                    <a:lnR w="12700" cap="flat" cmpd="sng" algn="ctr">
-                      <a:solidFill>
-                        <a:schemeClr val="tx1"/>
-                      </a:solidFill>
-                      <a:prstDash val="solid"/>
-                      <a:round/>
-                      <a:headEnd type="none" w="med" len="med"/>
-                      <a:tailEnd type="none" w="med" len="med"/>
-                    </a:lnR>
-                    <a:lnT w="12700" cap="flat" cmpd="sng" algn="ctr">
-                      <a:solidFill>
-                        <a:schemeClr val="tx1"/>
-                      </a:solidFill>
-                      <a:prstDash val="solid"/>
-                      <a:round/>
-                      <a:headEnd type="none" w="med" len="med"/>
-                      <a:tailEnd type="none" w="med" len="med"/>
-                    </a:lnT>
-                    <a:lnB w="12700" cap="flat" cmpd="sng" algn="ctr">
-                      <a:solidFill>
-                        <a:schemeClr val="tx1"/>
-                      </a:solidFill>
-                      <a:prstDash val="solid"/>
-                      <a:round/>
-                      <a:headEnd type="none" w="med" len="med"/>
-                      <a:tailEnd type="none" w="med" len="med"/>
-                    </a:lnB>
-                  </a:tcPr>
-                </a:tc>
-              </a:tr>
-              <a:tr h="203200">
-                <a:tc>
-                  <a:txBody>
-                    <a:bodyPr/>
-                    <a:lstStyle/>
-                    <a:p>
-                      <a:pPr algn="l" fontAlgn="b"/>
-                      <a:endParaRPr lang="en-US" sz="1200" b="0" i="0" u="none" strike="noStrike" dirty="0">
-                        <a:solidFill>
-                          <a:srgbClr val="FF0000"/>
-                        </a:solidFill>
-                        <a:effectLst/>
-                        <a:latin typeface="Calibri" charset="0"/>
-                      </a:endParaRPr>
-                    </a:p>
-                  </a:txBody>
-                  <a:tcPr marL="12700" marR="12700" marT="12700" marB="0" anchor="b">
-                    <a:lnL w="12700" cap="flat" cmpd="sng" algn="ctr">
-                      <a:solidFill>
-                        <a:schemeClr val="tx1"/>
-                      </a:solidFill>
-                      <a:prstDash val="solid"/>
-                      <a:round/>
-                      <a:headEnd type="none" w="med" len="med"/>
-                      <a:tailEnd type="none" w="med" len="med"/>
-                    </a:lnL>
-                    <a:lnR w="12700" cap="flat" cmpd="sng" algn="ctr">
-                      <a:solidFill>
-                        <a:schemeClr val="tx1"/>
-                      </a:solidFill>
-                      <a:prstDash val="solid"/>
-                      <a:round/>
-                      <a:headEnd type="none" w="med" len="med"/>
-                      <a:tailEnd type="none" w="med" len="med"/>
-                    </a:lnR>
-                    <a:lnT w="12700" cap="flat" cmpd="sng" algn="ctr">
-                      <a:solidFill>
-                        <a:schemeClr val="tx1"/>
-                      </a:solidFill>
-                      <a:prstDash val="solid"/>
-                      <a:round/>
-                      <a:headEnd type="none" w="med" len="med"/>
-                      <a:tailEnd type="none" w="med" len="med"/>
-                    </a:lnT>
-                    <a:lnB w="12700" cap="flat" cmpd="sng" algn="ctr">
-                      <a:solidFill>
-                        <a:schemeClr val="tx1"/>
-                      </a:solidFill>
-                      <a:prstDash val="solid"/>
-                      <a:round/>
-                      <a:headEnd type="none" w="med" len="med"/>
-                      <a:tailEnd type="none" w="med" len="med"/>
-                    </a:lnB>
-                  </a:tcPr>
-                </a:tc>
-              </a:tr>
-              <a:tr h="203200">
-                <a:tc>
-                  <a:txBody>
-                    <a:bodyPr/>
-                    <a:lstStyle/>
-                    <a:p>
-                      <a:pPr algn="l" fontAlgn="b"/>
-                      <a:endParaRPr lang="en-US" sz="1200" b="0" i="0" u="none" strike="noStrike" dirty="0">
-                        <a:solidFill>
-                          <a:srgbClr val="FF0000"/>
-                        </a:solidFill>
-                        <a:effectLst/>
-                        <a:latin typeface="Calibri" charset="0"/>
-                      </a:endParaRPr>
-                    </a:p>
-                  </a:txBody>
-                  <a:tcPr marL="12700" marR="12700" marT="12700" marB="0" anchor="b">
-                    <a:lnL w="12700" cap="flat" cmpd="sng" algn="ctr">
-                      <a:solidFill>
-                        <a:schemeClr val="tx1"/>
-                      </a:solidFill>
-                      <a:prstDash val="solid"/>
-                      <a:round/>
-                      <a:headEnd type="none" w="med" len="med"/>
-                      <a:tailEnd type="none" w="med" len="med"/>
-                    </a:lnL>
-                    <a:lnR w="12700" cap="flat" cmpd="sng" algn="ctr">
-                      <a:solidFill>
-                        <a:schemeClr val="tx1"/>
-                      </a:solidFill>
-                      <a:prstDash val="solid"/>
-                      <a:round/>
-                      <a:headEnd type="none" w="med" len="med"/>
-                      <a:tailEnd type="none" w="med" len="med"/>
-                    </a:lnR>
-                    <a:lnT w="12700" cap="flat" cmpd="sng" algn="ctr">
-                      <a:solidFill>
-                        <a:schemeClr val="tx1"/>
-                      </a:solidFill>
-                      <a:prstDash val="solid"/>
-                      <a:round/>
-                      <a:headEnd type="none" w="med" len="med"/>
-                      <a:tailEnd type="none" w="med" len="med"/>
-                    </a:lnT>
-                    <a:lnB w="12700" cap="flat" cmpd="sng" algn="ctr">
-                      <a:solidFill>
-                        <a:schemeClr val="tx1"/>
-                      </a:solidFill>
-                      <a:prstDash val="solid"/>
-                      <a:round/>
-                      <a:headEnd type="none" w="med" len="med"/>
-                      <a:tailEnd type="none" w="med" len="med"/>
-                    </a:lnB>
-                  </a:tcPr>
-                </a:tc>
-              </a:tr>
-              <a:tr h="203200">
-                <a:tc>
-                  <a:txBody>
-                    <a:bodyPr/>
-                    <a:lstStyle/>
-                    <a:p>
-                      <a:pPr algn="l" fontAlgn="b"/>
-                      <a:endParaRPr lang="en-US" sz="1200" b="0" i="0" u="none" strike="noStrike" dirty="0">
-                        <a:solidFill>
-                          <a:srgbClr val="FF0000"/>
-                        </a:solidFill>
-                        <a:effectLst/>
-                        <a:latin typeface="Calibri" charset="0"/>
+                        <a:latin typeface="+mn-lt"/>
                       </a:endParaRPr>
                     </a:p>
                   </a:txBody>
@@ -7228,7 +6522,7 @@
         </p:nvSpPr>
         <p:spPr>
           <a:xfrm>
-            <a:off x="3493228" y="2785084"/>
+            <a:off x="3375049" y="2844836"/>
             <a:ext cx="1129070" cy="501186"/>
           </a:xfrm>
           <a:prstGeom prst="rect">
@@ -7356,8 +6650,8 @@
         </p:nvSpPr>
         <p:spPr>
           <a:xfrm>
-            <a:off x="3296625" y="3389586"/>
-            <a:ext cx="1654598" cy="189186"/>
+            <a:off x="3354704" y="3389586"/>
+            <a:ext cx="1149415" cy="189186"/>
           </a:xfrm>
           <a:prstGeom prst="rightArrow">
             <a:avLst/>

--- a/figures/lift_process.pptx
+++ b/figures/lift_process.pptx
@@ -2973,7 +2973,7 @@
           <p:nvPr>
             <p:extLst>
               <p:ext uri="{D42A27DB-BD31-4B8C-83A1-F6EECF244321}">
-                <p14:modId xmlns:p14="http://schemas.microsoft.com/office/powerpoint/2010/main" val="1998827650"/>
+                <p14:modId xmlns:p14="http://schemas.microsoft.com/office/powerpoint/2010/main" val="1005637929"/>
               </p:ext>
             </p:extLst>
           </p:nvPr>
@@ -3933,7 +3933,7 @@
           <p:nvPr>
             <p:extLst>
               <p:ext uri="{D42A27DB-BD31-4B8C-83A1-F6EECF244321}">
-                <p14:modId xmlns:p14="http://schemas.microsoft.com/office/powerpoint/2010/main" val="858323407"/>
+                <p14:modId xmlns:p14="http://schemas.microsoft.com/office/powerpoint/2010/main" val="1655028218"/>
               </p:ext>
             </p:extLst>
           </p:nvPr>
@@ -3976,7 +3976,7 @@
                           <a:effectLst/>
                           <a:latin typeface="+mn-lt"/>
                         </a:rPr>
-                        <a:t> set</a:t>
+                        <a:t> set (represented by original phenotypic terms)</a:t>
                       </a:r>
                       <a:endParaRPr lang="en-US" sz="1200" b="1" i="0" u="none" strike="noStrike" dirty="0">
                         <a:solidFill>
@@ -5662,7 +5662,7 @@
           <p:nvPr>
             <p:extLst>
               <p:ext uri="{D42A27DB-BD31-4B8C-83A1-F6EECF244321}">
-                <p14:modId xmlns:p14="http://schemas.microsoft.com/office/powerpoint/2010/main" val="1723558452"/>
+                <p14:modId xmlns:p14="http://schemas.microsoft.com/office/powerpoint/2010/main" val="82537805"/>
               </p:ext>
             </p:extLst>
           </p:nvPr>
@@ -5824,7 +5824,7 @@
                           <a:ea typeface="+mn-ea"/>
                           <a:cs typeface="+mn-cs"/>
                         </a:rPr>
-                        <a:t>hypertension: </a:t>
+                        <a:t>hypertension</a:t>
                       </a:r>
                       <a:endParaRPr lang="en-US" sz="1200" kern="1200" dirty="0" smtClean="0">
                         <a:solidFill>
@@ -5950,17 +5950,6 @@
                         </a:rPr>
                         <a:t>osteoperosis</a:t>
                       </a:r>
-                      <a:r>
-                        <a:rPr lang="en-US" sz="1200" kern="1200" dirty="0" smtClean="0">
-                          <a:solidFill>
-                            <a:srgbClr val="0070C0"/>
-                          </a:solidFill>
-                          <a:latin typeface="+mn-lt"/>
-                          <a:ea typeface="+mn-ea"/>
-                          <a:cs typeface="+mn-cs"/>
-                        </a:rPr>
-                        <a:t>: </a:t>
-                      </a:r>
                       <a:endParaRPr lang="en-US" sz="1200" kern="1200" dirty="0" smtClean="0">
                         <a:solidFill>
                           <a:srgbClr val="0070C0"/>
@@ -6256,7 +6245,7 @@
                           <a:ea typeface="+mn-ea"/>
                           <a:cs typeface="+mn-cs"/>
                         </a:rPr>
-                        <a:t>: </a:t>
+                        <a:t> </a:t>
                       </a:r>
                       <a:endParaRPr lang="en-US" sz="1200" b="0" i="0" u="none" strike="noStrike" dirty="0">
                         <a:solidFill>
@@ -6679,6 +6668,41 @@
           <a:p>
             <a:pPr algn="ctr"/>
             <a:endParaRPr lang="en-US"/>
+          </a:p>
+        </p:txBody>
+      </p:sp>
+      <p:sp>
+        <p:nvSpPr>
+          <p:cNvPr id="20" name="TextBox 19"/>
+          <p:cNvSpPr txBox="1"/>
+          <p:nvPr/>
+        </p:nvSpPr>
+        <p:spPr>
+          <a:xfrm>
+            <a:off x="9404426" y="5265683"/>
+            <a:ext cx="3034568" cy="646331"/>
+          </a:xfrm>
+          <a:prstGeom prst="rect">
+            <a:avLst/>
+          </a:prstGeom>
+          <a:noFill/>
+        </p:spPr>
+        <p:txBody>
+          <a:bodyPr wrap="square" rtlCol="0">
+            <a:spAutoFit/>
+          </a:bodyPr>
+          <a:lstStyle/>
+          <a:p>
+            <a:pPr algn="r"/>
+            <a:r>
+              <a:rPr lang="en-US" dirty="0" smtClean="0"/>
+              <a:t>Average Standard Deviations Above Median </a:t>
+            </a:r>
+            <a:r>
+              <a:rPr lang="en-US" smtClean="0"/>
+              <a:t>: .0367</a:t>
+            </a:r>
+            <a:endParaRPr lang="en-US" dirty="0"/>
           </a:p>
         </p:txBody>
       </p:sp>

--- a/figures/lift_process.pptx
+++ b/figures/lift_process.pptx
@@ -104,6 +104,11 @@
       </a:defRPr>
     </a:lvl9pPr>
   </p:defaultTextStyle>
+  <p:extLst>
+    <p:ext uri="{EFAFB233-063F-42B5-8137-9DF3F51BA10A}">
+      <p15:sldGuideLst xmlns:p15="http://schemas.microsoft.com/office/powerpoint/2012/main"/>
+    </p:ext>
+  </p:extLst>
 </p:presentation>
 </file>
 
@@ -238,7 +243,7 @@
           <a:p>
             <a:fld id="{42C51B3C-B335-7348-933D-831AEBD66E12}" type="datetimeFigureOut">
               <a:rPr lang="en-US" smtClean="0"/>
-              <a:t>6/20/16</a:t>
+              <a:t>8/1/16</a:t>
             </a:fld>
             <a:endParaRPr lang="en-US"/>
           </a:p>
@@ -408,7 +413,7 @@
           <a:p>
             <a:fld id="{42C51B3C-B335-7348-933D-831AEBD66E12}" type="datetimeFigureOut">
               <a:rPr lang="en-US" smtClean="0"/>
-              <a:t>6/20/16</a:t>
+              <a:t>8/1/16</a:t>
             </a:fld>
             <a:endParaRPr lang="en-US"/>
           </a:p>
@@ -588,7 +593,7 @@
           <a:p>
             <a:fld id="{42C51B3C-B335-7348-933D-831AEBD66E12}" type="datetimeFigureOut">
               <a:rPr lang="en-US" smtClean="0"/>
-              <a:t>6/20/16</a:t>
+              <a:t>8/1/16</a:t>
             </a:fld>
             <a:endParaRPr lang="en-US"/>
           </a:p>
@@ -758,7 +763,7 @@
           <a:p>
             <a:fld id="{42C51B3C-B335-7348-933D-831AEBD66E12}" type="datetimeFigureOut">
               <a:rPr lang="en-US" smtClean="0"/>
-              <a:t>6/20/16</a:t>
+              <a:t>8/1/16</a:t>
             </a:fld>
             <a:endParaRPr lang="en-US"/>
           </a:p>
@@ -1004,7 +1009,7 @@
           <a:p>
             <a:fld id="{42C51B3C-B335-7348-933D-831AEBD66E12}" type="datetimeFigureOut">
               <a:rPr lang="en-US" smtClean="0"/>
-              <a:t>6/20/16</a:t>
+              <a:t>8/1/16</a:t>
             </a:fld>
             <a:endParaRPr lang="en-US"/>
           </a:p>
@@ -1236,7 +1241,7 @@
           <a:p>
             <a:fld id="{42C51B3C-B335-7348-933D-831AEBD66E12}" type="datetimeFigureOut">
               <a:rPr lang="en-US" smtClean="0"/>
-              <a:t>6/20/16</a:t>
+              <a:t>8/1/16</a:t>
             </a:fld>
             <a:endParaRPr lang="en-US"/>
           </a:p>
@@ -1603,7 +1608,7 @@
           <a:p>
             <a:fld id="{42C51B3C-B335-7348-933D-831AEBD66E12}" type="datetimeFigureOut">
               <a:rPr lang="en-US" smtClean="0"/>
-              <a:t>6/20/16</a:t>
+              <a:t>8/1/16</a:t>
             </a:fld>
             <a:endParaRPr lang="en-US"/>
           </a:p>
@@ -1721,7 +1726,7 @@
           <a:p>
             <a:fld id="{42C51B3C-B335-7348-933D-831AEBD66E12}" type="datetimeFigureOut">
               <a:rPr lang="en-US" smtClean="0"/>
-              <a:t>6/20/16</a:t>
+              <a:t>8/1/16</a:t>
             </a:fld>
             <a:endParaRPr lang="en-US"/>
           </a:p>
@@ -1816,7 +1821,7 @@
           <a:p>
             <a:fld id="{42C51B3C-B335-7348-933D-831AEBD66E12}" type="datetimeFigureOut">
               <a:rPr lang="en-US" smtClean="0"/>
-              <a:t>6/20/16</a:t>
+              <a:t>8/1/16</a:t>
             </a:fld>
             <a:endParaRPr lang="en-US"/>
           </a:p>
@@ -2093,7 +2098,7 @@
           <a:p>
             <a:fld id="{42C51B3C-B335-7348-933D-831AEBD66E12}" type="datetimeFigureOut">
               <a:rPr lang="en-US" smtClean="0"/>
-              <a:t>6/20/16</a:t>
+              <a:t>8/1/16</a:t>
             </a:fld>
             <a:endParaRPr lang="en-US"/>
           </a:p>
@@ -2346,7 +2351,7 @@
           <a:p>
             <a:fld id="{42C51B3C-B335-7348-933D-831AEBD66E12}" type="datetimeFigureOut">
               <a:rPr lang="en-US" smtClean="0"/>
-              <a:t>6/20/16</a:t>
+              <a:t>8/1/16</a:t>
             </a:fld>
             <a:endParaRPr lang="en-US"/>
           </a:p>
@@ -2559,7 +2564,7 @@
           <a:p>
             <a:fld id="{42C51B3C-B335-7348-933D-831AEBD66E12}" type="datetimeFigureOut">
               <a:rPr lang="en-US" smtClean="0"/>
-              <a:t>6/20/16</a:t>
+              <a:t>8/1/16</a:t>
             </a:fld>
             <a:endParaRPr lang="en-US"/>
           </a:p>
@@ -2973,7 +2978,7 @@
           <p:nvPr>
             <p:extLst>
               <p:ext uri="{D42A27DB-BD31-4B8C-83A1-F6EECF244321}">
-                <p14:modId xmlns:p14="http://schemas.microsoft.com/office/powerpoint/2010/main" val="1005637929"/>
+                <p14:modId xmlns:p14="http://schemas.microsoft.com/office/powerpoint/2010/main" val="2062680572"/>
               </p:ext>
             </p:extLst>
           </p:nvPr>
@@ -3933,7 +3938,7 @@
           <p:nvPr>
             <p:extLst>
               <p:ext uri="{D42A27DB-BD31-4B8C-83A1-F6EECF244321}">
-                <p14:modId xmlns:p14="http://schemas.microsoft.com/office/powerpoint/2010/main" val="1655028218"/>
+                <p14:modId xmlns:p14="http://schemas.microsoft.com/office/powerpoint/2010/main" val="643860083"/>
               </p:ext>
             </p:extLst>
           </p:nvPr>
@@ -4117,14 +4122,14 @@
                         <a:t> Above </a:t>
                       </a:r>
                       <a:r>
-                        <a:rPr lang="en-US" sz="1200" b="1" i="0" u="none" strike="noStrike" baseline="0" dirty="0" err="1" smtClean="0">
+                        <a:rPr lang="en-US" sz="1200" b="1" i="0" u="none" strike="noStrike" baseline="0" dirty="0" smtClean="0">
                           <a:solidFill>
                             <a:schemeClr val="tx1"/>
                           </a:solidFill>
                           <a:effectLst/>
                           <a:latin typeface="+mn-lt"/>
                         </a:rPr>
-                        <a:t>Medain</a:t>
+                        <a:t>Median</a:t>
                       </a:r>
                       <a:endParaRPr lang="en-US" sz="1200" b="1" i="0" u="none" strike="noStrike" dirty="0">
                         <a:solidFill>
@@ -5662,7 +5667,7 @@
           <p:nvPr>
             <p:extLst>
               <p:ext uri="{D42A27DB-BD31-4B8C-83A1-F6EECF244321}">
-                <p14:modId xmlns:p14="http://schemas.microsoft.com/office/powerpoint/2010/main" val="82537805"/>
+                <p14:modId xmlns:p14="http://schemas.microsoft.com/office/powerpoint/2010/main" val="186317748"/>
               </p:ext>
             </p:extLst>
           </p:nvPr>
@@ -5826,6 +5831,122 @@
                         </a:rPr>
                         <a:t>hypertension</a:t>
                       </a:r>
+                    </a:p>
+                  </a:txBody>
+                  <a:tcPr marL="12700" marR="12700" marT="12700" marB="0" anchor="b">
+                    <a:lnL w="12700" cap="flat" cmpd="sng" algn="ctr">
+                      <a:solidFill>
+                        <a:schemeClr val="tx1"/>
+                      </a:solidFill>
+                      <a:prstDash val="solid"/>
+                      <a:round/>
+                      <a:headEnd type="none" w="med" len="med"/>
+                      <a:tailEnd type="none" w="med" len="med"/>
+                    </a:lnL>
+                    <a:lnR w="12700" cap="flat" cmpd="sng" algn="ctr">
+                      <a:solidFill>
+                        <a:schemeClr val="tx1"/>
+                      </a:solidFill>
+                      <a:prstDash val="solid"/>
+                      <a:round/>
+                      <a:headEnd type="none" w="med" len="med"/>
+                      <a:tailEnd type="none" w="med" len="med"/>
+                    </a:lnR>
+                    <a:lnT w="12700" cap="flat" cmpd="sng" algn="ctr">
+                      <a:solidFill>
+                        <a:schemeClr val="tx1"/>
+                      </a:solidFill>
+                      <a:prstDash val="solid"/>
+                      <a:round/>
+                      <a:headEnd type="none" w="med" len="med"/>
+                      <a:tailEnd type="none" w="med" len="med"/>
+                    </a:lnT>
+                    <a:lnB w="12700" cap="flat" cmpd="sng" algn="ctr">
+                      <a:solidFill>
+                        <a:schemeClr val="tx1"/>
+                      </a:solidFill>
+                      <a:prstDash val="solid"/>
+                      <a:round/>
+                      <a:headEnd type="none" w="med" len="med"/>
+                      <a:tailEnd type="none" w="med" len="med"/>
+                    </a:lnB>
+                  </a:tcPr>
+                </a:tc>
+                <a:tc>
+                  <a:txBody>
+                    <a:bodyPr/>
+                    <a:lstStyle/>
+                    <a:p>
+                      <a:r>
+                        <a:rPr lang="en-US" sz="1200" kern="1200" dirty="0" smtClean="0">
+                          <a:solidFill>
+                            <a:schemeClr val="tx1"/>
+                          </a:solidFill>
+                          <a:latin typeface="+mn-lt"/>
+                          <a:ea typeface="+mn-ea"/>
+                          <a:cs typeface="+mn-cs"/>
+                        </a:rPr>
+                        <a:t>'regarding hypertension', 'hypertensive disorder systemic' ''ischemia due hypertension', etc.</a:t>
+                      </a:r>
+                    </a:p>
+                  </a:txBody>
+                  <a:tcPr marL="12700" marR="12700" marT="12700" marB="0" anchor="b">
+                    <a:lnL w="12700" cap="flat" cmpd="sng" algn="ctr">
+                      <a:solidFill>
+                        <a:schemeClr val="tx1"/>
+                      </a:solidFill>
+                      <a:prstDash val="solid"/>
+                      <a:round/>
+                      <a:headEnd type="none" w="med" len="med"/>
+                      <a:tailEnd type="none" w="med" len="med"/>
+                    </a:lnL>
+                    <a:lnR w="12700" cap="flat" cmpd="sng" algn="ctr">
+                      <a:solidFill>
+                        <a:schemeClr val="tx1"/>
+                      </a:solidFill>
+                      <a:prstDash val="solid"/>
+                      <a:round/>
+                      <a:headEnd type="none" w="med" len="med"/>
+                      <a:tailEnd type="none" w="med" len="med"/>
+                    </a:lnR>
+                    <a:lnT w="12700" cap="flat" cmpd="sng" algn="ctr">
+                      <a:solidFill>
+                        <a:schemeClr val="tx1"/>
+                      </a:solidFill>
+                      <a:prstDash val="solid"/>
+                      <a:round/>
+                      <a:headEnd type="none" w="med" len="med"/>
+                      <a:tailEnd type="none" w="med" len="med"/>
+                    </a:lnT>
+                    <a:lnB w="12700" cap="flat" cmpd="sng" algn="ctr">
+                      <a:solidFill>
+                        <a:schemeClr val="tx1"/>
+                      </a:solidFill>
+                      <a:prstDash val="solid"/>
+                      <a:round/>
+                      <a:headEnd type="none" w="med" len="med"/>
+                      <a:tailEnd type="none" w="med" len="med"/>
+                    </a:lnB>
+                  </a:tcPr>
+                </a:tc>
+              </a:tr>
+              <a:tr h="1104332">
+                <a:tc>
+                  <a:txBody>
+                    <a:bodyPr/>
+                    <a:lstStyle/>
+                    <a:p>
+                      <a:r>
+                        <a:rPr lang="en-US" sz="1200" kern="1200" dirty="0" err="1" smtClean="0">
+                          <a:solidFill>
+                            <a:srgbClr val="0070C0"/>
+                          </a:solidFill>
+                          <a:latin typeface="+mn-lt"/>
+                          <a:ea typeface="+mn-ea"/>
+                          <a:cs typeface="+mn-cs"/>
+                        </a:rPr>
+                        <a:t>osteoperosis</a:t>
+                      </a:r>
                       <a:endParaRPr lang="en-US" sz="1200" kern="1200" dirty="0" smtClean="0">
                         <a:solidFill>
                           <a:srgbClr val="0070C0"/>
@@ -5889,130 +6010,6 @@
                           <a:ea typeface="+mn-ea"/>
                           <a:cs typeface="+mn-cs"/>
                         </a:rPr>
-                        <a:t>'regarding hypertension', 'hypertensive disorder systemic' ''ischemia due hypertension', etc.</a:t>
-                      </a:r>
-                    </a:p>
-                  </a:txBody>
-                  <a:tcPr marL="12700" marR="12700" marT="12700" marB="0" anchor="b">
-                    <a:lnL w="12700" cap="flat" cmpd="sng" algn="ctr">
-                      <a:solidFill>
-                        <a:schemeClr val="tx1"/>
-                      </a:solidFill>
-                      <a:prstDash val="solid"/>
-                      <a:round/>
-                      <a:headEnd type="none" w="med" len="med"/>
-                      <a:tailEnd type="none" w="med" len="med"/>
-                    </a:lnL>
-                    <a:lnR w="12700" cap="flat" cmpd="sng" algn="ctr">
-                      <a:solidFill>
-                        <a:schemeClr val="tx1"/>
-                      </a:solidFill>
-                      <a:prstDash val="solid"/>
-                      <a:round/>
-                      <a:headEnd type="none" w="med" len="med"/>
-                      <a:tailEnd type="none" w="med" len="med"/>
-                    </a:lnR>
-                    <a:lnT w="12700" cap="flat" cmpd="sng" algn="ctr">
-                      <a:solidFill>
-                        <a:schemeClr val="tx1"/>
-                      </a:solidFill>
-                      <a:prstDash val="solid"/>
-                      <a:round/>
-                      <a:headEnd type="none" w="med" len="med"/>
-                      <a:tailEnd type="none" w="med" len="med"/>
-                    </a:lnT>
-                    <a:lnB w="12700" cap="flat" cmpd="sng" algn="ctr">
-                      <a:solidFill>
-                        <a:schemeClr val="tx1"/>
-                      </a:solidFill>
-                      <a:prstDash val="solid"/>
-                      <a:round/>
-                      <a:headEnd type="none" w="med" len="med"/>
-                      <a:tailEnd type="none" w="med" len="med"/>
-                    </a:lnB>
-                  </a:tcPr>
-                </a:tc>
-              </a:tr>
-              <a:tr h="1104332">
-                <a:tc>
-                  <a:txBody>
-                    <a:bodyPr/>
-                    <a:lstStyle/>
-                    <a:p>
-                      <a:r>
-                        <a:rPr lang="en-US" sz="1200" kern="1200" dirty="0" err="1" smtClean="0">
-                          <a:solidFill>
-                            <a:srgbClr val="0070C0"/>
-                          </a:solidFill>
-                          <a:latin typeface="+mn-lt"/>
-                          <a:ea typeface="+mn-ea"/>
-                          <a:cs typeface="+mn-cs"/>
-                        </a:rPr>
-                        <a:t>osteoperosis</a:t>
-                      </a:r>
-                      <a:endParaRPr lang="en-US" sz="1200" kern="1200" dirty="0" smtClean="0">
-                        <a:solidFill>
-                          <a:srgbClr val="0070C0"/>
-                        </a:solidFill>
-                        <a:latin typeface="+mn-lt"/>
-                        <a:ea typeface="+mn-ea"/>
-                        <a:cs typeface="+mn-cs"/>
-                      </a:endParaRPr>
-                    </a:p>
-                  </a:txBody>
-                  <a:tcPr marL="12700" marR="12700" marT="12700" marB="0" anchor="b">
-                    <a:lnL w="12700" cap="flat" cmpd="sng" algn="ctr">
-                      <a:solidFill>
-                        <a:schemeClr val="tx1"/>
-                      </a:solidFill>
-                      <a:prstDash val="solid"/>
-                      <a:round/>
-                      <a:headEnd type="none" w="med" len="med"/>
-                      <a:tailEnd type="none" w="med" len="med"/>
-                    </a:lnL>
-                    <a:lnR w="12700" cap="flat" cmpd="sng" algn="ctr">
-                      <a:solidFill>
-                        <a:schemeClr val="tx1"/>
-                      </a:solidFill>
-                      <a:prstDash val="solid"/>
-                      <a:round/>
-                      <a:headEnd type="none" w="med" len="med"/>
-                      <a:tailEnd type="none" w="med" len="med"/>
-                    </a:lnR>
-                    <a:lnT w="12700" cap="flat" cmpd="sng" algn="ctr">
-                      <a:solidFill>
-                        <a:schemeClr val="tx1"/>
-                      </a:solidFill>
-                      <a:prstDash val="solid"/>
-                      <a:round/>
-                      <a:headEnd type="none" w="med" len="med"/>
-                      <a:tailEnd type="none" w="med" len="med"/>
-                    </a:lnT>
-                    <a:lnB w="12700" cap="flat" cmpd="sng" algn="ctr">
-                      <a:solidFill>
-                        <a:schemeClr val="tx1"/>
-                      </a:solidFill>
-                      <a:prstDash val="solid"/>
-                      <a:round/>
-                      <a:headEnd type="none" w="med" len="med"/>
-                      <a:tailEnd type="none" w="med" len="med"/>
-                    </a:lnB>
-                  </a:tcPr>
-                </a:tc>
-                <a:tc>
-                  <a:txBody>
-                    <a:bodyPr/>
-                    <a:lstStyle/>
-                    <a:p>
-                      <a:r>
-                        <a:rPr lang="en-US" sz="1200" kern="1200" dirty="0" smtClean="0">
-                          <a:solidFill>
-                            <a:schemeClr val="tx1"/>
-                          </a:solidFill>
-                          <a:latin typeface="+mn-lt"/>
-                          <a:ea typeface="+mn-ea"/>
-                          <a:cs typeface="+mn-cs"/>
-                        </a:rPr>
                         <a:t>'osteoporosis postmenopausal', ''prevention osteoporosis', 'femur associated osteoporosis’,</a:t>
                       </a:r>
                       <a:r>
@@ -6104,14 +6101,6 @@
                         </a:rPr>
                         <a:t>…</a:t>
                       </a:r>
-                      <a:endParaRPr lang="en-US" sz="1200" kern="1200" dirty="0" smtClean="0">
-                        <a:solidFill>
-                          <a:schemeClr val="tx1"/>
-                        </a:solidFill>
-                        <a:latin typeface="+mn-lt"/>
-                        <a:ea typeface="+mn-ea"/>
-                        <a:cs typeface="+mn-cs"/>
-                      </a:endParaRPr>
                     </a:p>
                   </a:txBody>
                   <a:tcPr marL="12700" marR="12700" marT="12700" marB="0" anchor="b">
@@ -6169,14 +6158,6 @@
                         </a:rPr>
                         <a:t>…</a:t>
                       </a:r>
-                      <a:endParaRPr lang="en-US" sz="1200" kern="1200" dirty="0" smtClean="0">
-                        <a:solidFill>
-                          <a:schemeClr val="tx1"/>
-                        </a:solidFill>
-                        <a:latin typeface="+mn-lt"/>
-                        <a:ea typeface="+mn-ea"/>
-                        <a:cs typeface="+mn-cs"/>
-                      </a:endParaRPr>
                     </a:p>
                   </a:txBody>
                   <a:tcPr marL="12700" marR="12700" marT="12700" marB="0" anchor="b">

--- a/figures/lift_process.pptx
+++ b/figures/lift_process.pptx
@@ -6,6 +6,7 @@
   </p:sldMasterIdLst>
   <p:sldIdLst>
     <p:sldId id="256" r:id="rId2"/>
+    <p:sldId id="257" r:id="rId3"/>
   </p:sldIdLst>
   <p:sldSz cx="12192000" cy="6858000"/>
   <p:notesSz cx="6858000" cy="9144000"/>
@@ -243,7 +244,7 @@
           <a:p>
             <a:fld id="{42C51B3C-B335-7348-933D-831AEBD66E12}" type="datetimeFigureOut">
               <a:rPr lang="en-US" smtClean="0"/>
-              <a:t>8/1/16</a:t>
+              <a:t>8/19/16</a:t>
             </a:fld>
             <a:endParaRPr lang="en-US"/>
           </a:p>
@@ -413,7 +414,7 @@
           <a:p>
             <a:fld id="{42C51B3C-B335-7348-933D-831AEBD66E12}" type="datetimeFigureOut">
               <a:rPr lang="en-US" smtClean="0"/>
-              <a:t>8/1/16</a:t>
+              <a:t>8/19/16</a:t>
             </a:fld>
             <a:endParaRPr lang="en-US"/>
           </a:p>
@@ -593,7 +594,7 @@
           <a:p>
             <a:fld id="{42C51B3C-B335-7348-933D-831AEBD66E12}" type="datetimeFigureOut">
               <a:rPr lang="en-US" smtClean="0"/>
-              <a:t>8/1/16</a:t>
+              <a:t>8/19/16</a:t>
             </a:fld>
             <a:endParaRPr lang="en-US"/>
           </a:p>
@@ -763,7 +764,7 @@
           <a:p>
             <a:fld id="{42C51B3C-B335-7348-933D-831AEBD66E12}" type="datetimeFigureOut">
               <a:rPr lang="en-US" smtClean="0"/>
-              <a:t>8/1/16</a:t>
+              <a:t>8/19/16</a:t>
             </a:fld>
             <a:endParaRPr lang="en-US"/>
           </a:p>
@@ -1009,7 +1010,7 @@
           <a:p>
             <a:fld id="{42C51B3C-B335-7348-933D-831AEBD66E12}" type="datetimeFigureOut">
               <a:rPr lang="en-US" smtClean="0"/>
-              <a:t>8/1/16</a:t>
+              <a:t>8/19/16</a:t>
             </a:fld>
             <a:endParaRPr lang="en-US"/>
           </a:p>
@@ -1241,7 +1242,7 @@
           <a:p>
             <a:fld id="{42C51B3C-B335-7348-933D-831AEBD66E12}" type="datetimeFigureOut">
               <a:rPr lang="en-US" smtClean="0"/>
-              <a:t>8/1/16</a:t>
+              <a:t>8/19/16</a:t>
             </a:fld>
             <a:endParaRPr lang="en-US"/>
           </a:p>
@@ -1608,7 +1609,7 @@
           <a:p>
             <a:fld id="{42C51B3C-B335-7348-933D-831AEBD66E12}" type="datetimeFigureOut">
               <a:rPr lang="en-US" smtClean="0"/>
-              <a:t>8/1/16</a:t>
+              <a:t>8/19/16</a:t>
             </a:fld>
             <a:endParaRPr lang="en-US"/>
           </a:p>
@@ -1726,7 +1727,7 @@
           <a:p>
             <a:fld id="{42C51B3C-B335-7348-933D-831AEBD66E12}" type="datetimeFigureOut">
               <a:rPr lang="en-US" smtClean="0"/>
-              <a:t>8/1/16</a:t>
+              <a:t>8/19/16</a:t>
             </a:fld>
             <a:endParaRPr lang="en-US"/>
           </a:p>
@@ -1821,7 +1822,7 @@
           <a:p>
             <a:fld id="{42C51B3C-B335-7348-933D-831AEBD66E12}" type="datetimeFigureOut">
               <a:rPr lang="en-US" smtClean="0"/>
-              <a:t>8/1/16</a:t>
+              <a:t>8/19/16</a:t>
             </a:fld>
             <a:endParaRPr lang="en-US"/>
           </a:p>
@@ -2098,7 +2099,7 @@
           <a:p>
             <a:fld id="{42C51B3C-B335-7348-933D-831AEBD66E12}" type="datetimeFigureOut">
               <a:rPr lang="en-US" smtClean="0"/>
-              <a:t>8/1/16</a:t>
+              <a:t>8/19/16</a:t>
             </a:fld>
             <a:endParaRPr lang="en-US"/>
           </a:p>
@@ -2351,7 +2352,7 @@
           <a:p>
             <a:fld id="{42C51B3C-B335-7348-933D-831AEBD66E12}" type="datetimeFigureOut">
               <a:rPr lang="en-US" smtClean="0"/>
-              <a:t>8/1/16</a:t>
+              <a:t>8/19/16</a:t>
             </a:fld>
             <a:endParaRPr lang="en-US"/>
           </a:p>
@@ -2564,7 +2565,7 @@
           <a:p>
             <a:fld id="{42C51B3C-B335-7348-933D-831AEBD66E12}" type="datetimeFigureOut">
               <a:rPr lang="en-US" smtClean="0"/>
-              <a:t>8/1/16</a:t>
+              <a:t>8/19/16</a:t>
             </a:fld>
             <a:endParaRPr lang="en-US"/>
           </a:p>
@@ -4119,17 +4120,7 @@
                           <a:effectLst/>
                           <a:latin typeface="+mn-lt"/>
                         </a:rPr>
-                        <a:t> Above </a:t>
-                      </a:r>
-                      <a:r>
-                        <a:rPr lang="en-US" sz="1200" b="1" i="0" u="none" strike="noStrike" baseline="0" dirty="0" smtClean="0">
-                          <a:solidFill>
-                            <a:schemeClr val="tx1"/>
-                          </a:solidFill>
-                          <a:effectLst/>
-                          <a:latin typeface="+mn-lt"/>
-                        </a:rPr>
-                        <a:t>Median</a:t>
+                        <a:t> Above Median</a:t>
                       </a:r>
                       <a:endParaRPr lang="en-US" sz="1200" b="1" i="0" u="none" strike="noStrike" dirty="0">
                         <a:solidFill>
@@ -6691,6 +6682,258 @@
     <p:extLst>
       <p:ext uri="{BB962C8B-B14F-4D97-AF65-F5344CB8AC3E}">
         <p14:creationId xmlns:p14="http://schemas.microsoft.com/office/powerpoint/2010/main" val="237066887"/>
+      </p:ext>
+    </p:extLst>
+  </p:cSld>
+  <p:clrMapOvr>
+    <a:masterClrMapping/>
+  </p:clrMapOvr>
+</p:sld>
+</file>
+
+<file path=ppt/slides/slide2.xml><?xml version="1.0" encoding="utf-8"?>
+<p:sld xmlns:a="http://schemas.openxmlformats.org/drawingml/2006/main" xmlns:r="http://schemas.openxmlformats.org/officeDocument/2006/relationships" xmlns:p="http://schemas.openxmlformats.org/presentationml/2006/main">
+  <p:cSld>
+    <p:spTree>
+      <p:nvGrpSpPr>
+        <p:cNvPr id="1" name=""/>
+        <p:cNvGrpSpPr/>
+        <p:nvPr/>
+      </p:nvGrpSpPr>
+      <p:grpSpPr>
+        <a:xfrm>
+          <a:off x="0" y="0"/>
+          <a:ext cx="0" cy="0"/>
+          <a:chOff x="0" y="0"/>
+          <a:chExt cx="0" cy="0"/>
+        </a:xfrm>
+      </p:grpSpPr>
+      <p:pic>
+        <p:nvPicPr>
+          <p:cNvPr id="4" name="Picture 3"/>
+          <p:cNvPicPr>
+            <a:picLocks noChangeAspect="1"/>
+          </p:cNvPicPr>
+          <p:nvPr/>
+        </p:nvPicPr>
+        <p:blipFill>
+          <a:blip r:embed="rId2"/>
+          <a:stretch>
+            <a:fillRect/>
+          </a:stretch>
+        </p:blipFill>
+        <p:spPr>
+          <a:xfrm>
+            <a:off x="1524000" y="0"/>
+            <a:ext cx="9144000" cy="6858000"/>
+          </a:xfrm>
+          <a:prstGeom prst="rect">
+            <a:avLst/>
+          </a:prstGeom>
+        </p:spPr>
+      </p:pic>
+      <p:cxnSp>
+        <p:nvCxnSpPr>
+          <p:cNvPr id="8" name="Straight Connector 7"/>
+          <p:cNvCxnSpPr/>
+          <p:nvPr/>
+        </p:nvCxnSpPr>
+        <p:spPr>
+          <a:xfrm>
+            <a:off x="2679700" y="4508500"/>
+            <a:ext cx="1174750" cy="647700"/>
+          </a:xfrm>
+          <a:prstGeom prst="line">
+            <a:avLst/>
+          </a:prstGeom>
+          <a:ln w="34925">
+            <a:prstDash val="dash"/>
+          </a:ln>
+        </p:spPr>
+        <p:style>
+          <a:lnRef idx="1">
+            <a:schemeClr val="accent1"/>
+          </a:lnRef>
+          <a:fillRef idx="0">
+            <a:schemeClr val="accent1"/>
+          </a:fillRef>
+          <a:effectRef idx="0">
+            <a:schemeClr val="accent1"/>
+          </a:effectRef>
+          <a:fontRef idx="minor">
+            <a:schemeClr val="tx1"/>
+          </a:fontRef>
+        </p:style>
+      </p:cxnSp>
+      <p:cxnSp>
+        <p:nvCxnSpPr>
+          <p:cNvPr id="9" name="Straight Connector 8"/>
+          <p:cNvCxnSpPr/>
+          <p:nvPr/>
+        </p:nvCxnSpPr>
+        <p:spPr>
+          <a:xfrm flipV="1">
+            <a:off x="3854450" y="3956050"/>
+            <a:ext cx="1155700" cy="1200150"/>
+          </a:xfrm>
+          <a:prstGeom prst="line">
+            <a:avLst/>
+          </a:prstGeom>
+          <a:ln w="34925">
+            <a:prstDash val="dash"/>
+          </a:ln>
+        </p:spPr>
+        <p:style>
+          <a:lnRef idx="1">
+            <a:schemeClr val="accent1"/>
+          </a:lnRef>
+          <a:fillRef idx="0">
+            <a:schemeClr val="accent1"/>
+          </a:fillRef>
+          <a:effectRef idx="0">
+            <a:schemeClr val="accent1"/>
+          </a:effectRef>
+          <a:fontRef idx="minor">
+            <a:schemeClr val="tx1"/>
+          </a:fontRef>
+        </p:style>
+      </p:cxnSp>
+      <p:cxnSp>
+        <p:nvCxnSpPr>
+          <p:cNvPr id="14" name="Straight Connector 13"/>
+          <p:cNvCxnSpPr/>
+          <p:nvPr/>
+        </p:nvCxnSpPr>
+        <p:spPr>
+          <a:xfrm flipH="1" flipV="1">
+            <a:off x="5029200" y="3956050"/>
+            <a:ext cx="1206500" cy="1778000"/>
+          </a:xfrm>
+          <a:prstGeom prst="line">
+            <a:avLst/>
+          </a:prstGeom>
+          <a:ln w="34925">
+            <a:prstDash val="dash"/>
+          </a:ln>
+        </p:spPr>
+        <p:style>
+          <a:lnRef idx="1">
+            <a:schemeClr val="accent1"/>
+          </a:lnRef>
+          <a:fillRef idx="0">
+            <a:schemeClr val="accent1"/>
+          </a:fillRef>
+          <a:effectRef idx="0">
+            <a:schemeClr val="accent1"/>
+          </a:effectRef>
+          <a:fontRef idx="minor">
+            <a:schemeClr val="tx1"/>
+          </a:fontRef>
+        </p:style>
+      </p:cxnSp>
+      <p:cxnSp>
+        <p:nvCxnSpPr>
+          <p:cNvPr id="19" name="Straight Connector 18"/>
+          <p:cNvCxnSpPr/>
+          <p:nvPr/>
+        </p:nvCxnSpPr>
+        <p:spPr>
+          <a:xfrm flipH="1">
+            <a:off x="6296025" y="5156200"/>
+            <a:ext cx="1114425" cy="527050"/>
+          </a:xfrm>
+          <a:prstGeom prst="line">
+            <a:avLst/>
+          </a:prstGeom>
+          <a:ln w="34925">
+            <a:prstDash val="dash"/>
+          </a:ln>
+        </p:spPr>
+        <p:style>
+          <a:lnRef idx="1">
+            <a:schemeClr val="accent1"/>
+          </a:lnRef>
+          <a:fillRef idx="0">
+            <a:schemeClr val="accent1"/>
+          </a:fillRef>
+          <a:effectRef idx="0">
+            <a:schemeClr val="accent1"/>
+          </a:effectRef>
+          <a:fontRef idx="minor">
+            <a:schemeClr val="tx1"/>
+          </a:fontRef>
+        </p:style>
+      </p:cxnSp>
+      <p:cxnSp>
+        <p:nvCxnSpPr>
+          <p:cNvPr id="24" name="Straight Connector 23"/>
+          <p:cNvCxnSpPr/>
+          <p:nvPr/>
+        </p:nvCxnSpPr>
+        <p:spPr>
+          <a:xfrm>
+            <a:off x="7461250" y="5149850"/>
+            <a:ext cx="2279650" cy="6350"/>
+          </a:xfrm>
+          <a:prstGeom prst="line">
+            <a:avLst/>
+          </a:prstGeom>
+          <a:ln w="34925">
+            <a:prstDash val="dash"/>
+          </a:ln>
+        </p:spPr>
+        <p:style>
+          <a:lnRef idx="1">
+            <a:schemeClr val="accent1"/>
+          </a:lnRef>
+          <a:fillRef idx="0">
+            <a:schemeClr val="accent1"/>
+          </a:fillRef>
+          <a:effectRef idx="0">
+            <a:schemeClr val="accent1"/>
+          </a:effectRef>
+          <a:fontRef idx="minor">
+            <a:schemeClr val="tx1"/>
+          </a:fontRef>
+        </p:style>
+      </p:cxnSp>
+      <p:cxnSp>
+        <p:nvCxnSpPr>
+          <p:cNvPr id="26" name="Straight Connector 25"/>
+          <p:cNvCxnSpPr/>
+          <p:nvPr/>
+        </p:nvCxnSpPr>
+        <p:spPr>
+          <a:xfrm>
+            <a:off x="7924800" y="1320800"/>
+            <a:ext cx="356616" cy="0"/>
+          </a:xfrm>
+          <a:prstGeom prst="line">
+            <a:avLst/>
+          </a:prstGeom>
+          <a:ln w="34925">
+            <a:prstDash val="dash"/>
+          </a:ln>
+        </p:spPr>
+        <p:style>
+          <a:lnRef idx="1">
+            <a:schemeClr val="accent1"/>
+          </a:lnRef>
+          <a:fillRef idx="0">
+            <a:schemeClr val="accent1"/>
+          </a:fillRef>
+          <a:effectRef idx="0">
+            <a:schemeClr val="accent1"/>
+          </a:effectRef>
+          <a:fontRef idx="minor">
+            <a:schemeClr val="tx1"/>
+          </a:fontRef>
+        </p:style>
+      </p:cxnSp>
+    </p:spTree>
+    <p:extLst>
+      <p:ext uri="{BB962C8B-B14F-4D97-AF65-F5344CB8AC3E}">
+        <p14:creationId xmlns:p14="http://schemas.microsoft.com/office/powerpoint/2010/main" val="517803340"/>
       </p:ext>
     </p:extLst>
   </p:cSld>
